--- a/images/matlab_basics/4. control_statement/1. conditional/pics.pptx
+++ b/images/matlab_basics/4. control_statement/1. conditional/pics.pptx
@@ -6,6 +6,8 @@
   </p:sldMasterIdLst>
   <p:sldIdLst>
     <p:sldId id="256" r:id="rId2"/>
+    <p:sldId id="257" r:id="rId3"/>
+    <p:sldId id="258" r:id="rId4"/>
   </p:sldIdLst>
   <p:sldSz cx="12192000" cy="6858000"/>
   <p:notesSz cx="6858000" cy="9144000"/>
@@ -104,6 +106,11 @@
       </a:defRPr>
     </a:lvl9pPr>
   </p:defaultTextStyle>
+  <p:extLst>
+    <p:ext uri="{EFAFB233-063F-42B5-8137-9DF3F51BA10A}">
+      <p15:sldGuideLst xmlns:p15="http://schemas.microsoft.com/office/powerpoint/2012/main"/>
+    </p:ext>
+  </p:extLst>
 </p:presentation>
 </file>
 
@@ -254,7 +261,7 @@
           <a:p>
             <a:fld id="{9363263A-1426-4AE7-8831-0310DCD87A62}" type="datetimeFigureOut">
               <a:rPr lang="en-US" smtClean="0"/>
-              <a:t>5/22/2023</a:t>
+              <a:t>5/29/2023</a:t>
             </a:fld>
             <a:endParaRPr lang="en-US"/>
           </a:p>
@@ -452,7 +459,7 @@
           <a:p>
             <a:fld id="{9363263A-1426-4AE7-8831-0310DCD87A62}" type="datetimeFigureOut">
               <a:rPr lang="en-US" smtClean="0"/>
-              <a:t>5/22/2023</a:t>
+              <a:t>5/29/2023</a:t>
             </a:fld>
             <a:endParaRPr lang="en-US"/>
           </a:p>
@@ -660,7 +667,7 @@
           <a:p>
             <a:fld id="{9363263A-1426-4AE7-8831-0310DCD87A62}" type="datetimeFigureOut">
               <a:rPr lang="en-US" smtClean="0"/>
-              <a:t>5/22/2023</a:t>
+              <a:t>5/29/2023</a:t>
             </a:fld>
             <a:endParaRPr lang="en-US"/>
           </a:p>
@@ -858,7 +865,7 @@
           <a:p>
             <a:fld id="{9363263A-1426-4AE7-8831-0310DCD87A62}" type="datetimeFigureOut">
               <a:rPr lang="en-US" smtClean="0"/>
-              <a:t>5/22/2023</a:t>
+              <a:t>5/29/2023</a:t>
             </a:fld>
             <a:endParaRPr lang="en-US"/>
           </a:p>
@@ -1133,7 +1140,7 @@
           <a:p>
             <a:fld id="{9363263A-1426-4AE7-8831-0310DCD87A62}" type="datetimeFigureOut">
               <a:rPr lang="en-US" smtClean="0"/>
-              <a:t>5/22/2023</a:t>
+              <a:t>5/29/2023</a:t>
             </a:fld>
             <a:endParaRPr lang="en-US"/>
           </a:p>
@@ -1398,7 +1405,7 @@
           <a:p>
             <a:fld id="{9363263A-1426-4AE7-8831-0310DCD87A62}" type="datetimeFigureOut">
               <a:rPr lang="en-US" smtClean="0"/>
-              <a:t>5/22/2023</a:t>
+              <a:t>5/29/2023</a:t>
             </a:fld>
             <a:endParaRPr lang="en-US"/>
           </a:p>
@@ -1810,7 +1817,7 @@
           <a:p>
             <a:fld id="{9363263A-1426-4AE7-8831-0310DCD87A62}" type="datetimeFigureOut">
               <a:rPr lang="en-US" smtClean="0"/>
-              <a:t>5/22/2023</a:t>
+              <a:t>5/29/2023</a:t>
             </a:fld>
             <a:endParaRPr lang="en-US"/>
           </a:p>
@@ -1951,7 +1958,7 @@
           <a:p>
             <a:fld id="{9363263A-1426-4AE7-8831-0310DCD87A62}" type="datetimeFigureOut">
               <a:rPr lang="en-US" smtClean="0"/>
-              <a:t>5/22/2023</a:t>
+              <a:t>5/29/2023</a:t>
             </a:fld>
             <a:endParaRPr lang="en-US"/>
           </a:p>
@@ -2064,7 +2071,7 @@
           <a:p>
             <a:fld id="{9363263A-1426-4AE7-8831-0310DCD87A62}" type="datetimeFigureOut">
               <a:rPr lang="en-US" smtClean="0"/>
-              <a:t>5/22/2023</a:t>
+              <a:t>5/29/2023</a:t>
             </a:fld>
             <a:endParaRPr lang="en-US"/>
           </a:p>
@@ -2375,7 +2382,7 @@
           <a:p>
             <a:fld id="{9363263A-1426-4AE7-8831-0310DCD87A62}" type="datetimeFigureOut">
               <a:rPr lang="en-US" smtClean="0"/>
-              <a:t>5/22/2023</a:t>
+              <a:t>5/29/2023</a:t>
             </a:fld>
             <a:endParaRPr lang="en-US"/>
           </a:p>
@@ -2663,7 +2670,7 @@
           <a:p>
             <a:fld id="{9363263A-1426-4AE7-8831-0310DCD87A62}" type="datetimeFigureOut">
               <a:rPr lang="en-US" smtClean="0"/>
-              <a:t>5/22/2023</a:t>
+              <a:t>5/29/2023</a:t>
             </a:fld>
             <a:endParaRPr lang="en-US"/>
           </a:p>
@@ -2904,7 +2911,7 @@
           <a:p>
             <a:fld id="{9363263A-1426-4AE7-8831-0310DCD87A62}" type="datetimeFigureOut">
               <a:rPr lang="en-US" smtClean="0"/>
-              <a:t>5/22/2023</a:t>
+              <a:t>5/29/2023</a:t>
             </a:fld>
             <a:endParaRPr lang="en-US"/>
           </a:p>
@@ -4307,6 +4314,3039 @@
 </p:sld>
 </file>
 
+<file path=ppt/slides/slide2.xml><?xml version="1.0" encoding="utf-8"?>
+<p:sld xmlns:a="http://schemas.openxmlformats.org/drawingml/2006/main" xmlns:r="http://schemas.openxmlformats.org/officeDocument/2006/relationships" xmlns:p="http://schemas.openxmlformats.org/presentationml/2006/main">
+  <p:cSld>
+    <p:spTree>
+      <p:nvGrpSpPr>
+        <p:cNvPr id="1" name=""/>
+        <p:cNvGrpSpPr/>
+        <p:nvPr/>
+      </p:nvGrpSpPr>
+      <p:grpSpPr>
+        <a:xfrm>
+          <a:off x="0" y="0"/>
+          <a:ext cx="0" cy="0"/>
+          <a:chOff x="0" y="0"/>
+          <a:chExt cx="0" cy="0"/>
+        </a:xfrm>
+      </p:grpSpPr>
+      <p:sp>
+        <p:nvSpPr>
+          <p:cNvPr id="4" name="Flowchart: Decision 3">
+            <a:extLst>
+              <a:ext uri="{FF2B5EF4-FFF2-40B4-BE49-F238E27FC236}">
+                <a16:creationId xmlns:a16="http://schemas.microsoft.com/office/drawing/2014/main" id="{7969B371-7B31-CD21-1F91-E1DE6AA19978}"/>
+              </a:ext>
+            </a:extLst>
+          </p:cNvPr>
+          <p:cNvSpPr/>
+          <p:nvPr/>
+        </p:nvSpPr>
+        <p:spPr>
+          <a:xfrm>
+            <a:off x="3481500" y="1398492"/>
+            <a:ext cx="1800000" cy="1800000"/>
+          </a:xfrm>
+          <a:prstGeom prst="flowChartDecision">
+            <a:avLst/>
+          </a:prstGeom>
+          <a:solidFill>
+            <a:schemeClr val="bg1"/>
+          </a:solidFill>
+          <a:ln>
+            <a:solidFill>
+              <a:schemeClr val="tx1"/>
+            </a:solidFill>
+          </a:ln>
+        </p:spPr>
+        <p:style>
+          <a:lnRef idx="2">
+            <a:schemeClr val="accent1">
+              <a:shade val="50000"/>
+            </a:schemeClr>
+          </a:lnRef>
+          <a:fillRef idx="1">
+            <a:schemeClr val="accent1"/>
+          </a:fillRef>
+          <a:effectRef idx="0">
+            <a:schemeClr val="accent1"/>
+          </a:effectRef>
+          <a:fontRef idx="minor">
+            <a:schemeClr val="lt1"/>
+          </a:fontRef>
+        </p:style>
+        <p:txBody>
+          <a:bodyPr rtlCol="0" anchor="ctr"/>
+          <a:lstStyle/>
+          <a:p>
+            <a:pPr algn="ctr"/>
+            <a:endParaRPr lang="en-US" dirty="0">
+              <a:latin typeface="나눔고딕 Light" panose="020D0904000000000000" pitchFamily="50" charset="-127"/>
+              <a:ea typeface="나눔고딕 Light" panose="020D0904000000000000" pitchFamily="50" charset="-127"/>
+            </a:endParaRPr>
+          </a:p>
+        </p:txBody>
+      </p:sp>
+      <p:cxnSp>
+        <p:nvCxnSpPr>
+          <p:cNvPr id="6" name="Straight Arrow Connector 5">
+            <a:extLst>
+              <a:ext uri="{FF2B5EF4-FFF2-40B4-BE49-F238E27FC236}">
+                <a16:creationId xmlns:a16="http://schemas.microsoft.com/office/drawing/2014/main" id="{8488C4F2-15D0-751C-7ACE-EF8C13E244FA}"/>
+              </a:ext>
+            </a:extLst>
+          </p:cNvPr>
+          <p:cNvCxnSpPr/>
+          <p:nvPr/>
+        </p:nvCxnSpPr>
+        <p:spPr>
+          <a:xfrm>
+            <a:off x="4381500" y="851647"/>
+            <a:ext cx="0" cy="546845"/>
+          </a:xfrm>
+          <a:prstGeom prst="straightConnector1">
+            <a:avLst/>
+          </a:prstGeom>
+          <a:ln>
+            <a:tailEnd type="triangle"/>
+          </a:ln>
+        </p:spPr>
+        <p:style>
+          <a:lnRef idx="1">
+            <a:schemeClr val="dk1"/>
+          </a:lnRef>
+          <a:fillRef idx="0">
+            <a:schemeClr val="dk1"/>
+          </a:fillRef>
+          <a:effectRef idx="0">
+            <a:schemeClr val="dk1"/>
+          </a:effectRef>
+          <a:fontRef idx="minor">
+            <a:schemeClr val="tx1"/>
+          </a:fontRef>
+        </p:style>
+      </p:cxnSp>
+      <p:cxnSp>
+        <p:nvCxnSpPr>
+          <p:cNvPr id="7" name="Straight Arrow Connector 6">
+            <a:extLst>
+              <a:ext uri="{FF2B5EF4-FFF2-40B4-BE49-F238E27FC236}">
+                <a16:creationId xmlns:a16="http://schemas.microsoft.com/office/drawing/2014/main" id="{B07B2384-49D0-E57B-ECF4-D6D27262E637}"/>
+              </a:ext>
+            </a:extLst>
+          </p:cNvPr>
+          <p:cNvCxnSpPr/>
+          <p:nvPr/>
+        </p:nvCxnSpPr>
+        <p:spPr>
+          <a:xfrm>
+            <a:off x="4381500" y="3198492"/>
+            <a:ext cx="0" cy="546845"/>
+          </a:xfrm>
+          <a:prstGeom prst="straightConnector1">
+            <a:avLst/>
+          </a:prstGeom>
+          <a:ln>
+            <a:tailEnd type="triangle"/>
+          </a:ln>
+        </p:spPr>
+        <p:style>
+          <a:lnRef idx="1">
+            <a:schemeClr val="dk1"/>
+          </a:lnRef>
+          <a:fillRef idx="0">
+            <a:schemeClr val="dk1"/>
+          </a:fillRef>
+          <a:effectRef idx="0">
+            <a:schemeClr val="dk1"/>
+          </a:effectRef>
+          <a:fontRef idx="minor">
+            <a:schemeClr val="tx1"/>
+          </a:fontRef>
+        </p:style>
+      </p:cxnSp>
+      <p:sp>
+        <p:nvSpPr>
+          <p:cNvPr id="9" name="Flowchart: Process 8">
+            <a:extLst>
+              <a:ext uri="{FF2B5EF4-FFF2-40B4-BE49-F238E27FC236}">
+                <a16:creationId xmlns:a16="http://schemas.microsoft.com/office/drawing/2014/main" id="{F9BF23D9-3BCE-8BB9-8159-C222FB544012}"/>
+              </a:ext>
+            </a:extLst>
+          </p:cNvPr>
+          <p:cNvSpPr/>
+          <p:nvPr/>
+        </p:nvSpPr>
+        <p:spPr>
+          <a:xfrm>
+            <a:off x="3481503" y="3745337"/>
+            <a:ext cx="1799994" cy="612648"/>
+          </a:xfrm>
+          <a:prstGeom prst="flowChartProcess">
+            <a:avLst/>
+          </a:prstGeom>
+          <a:solidFill>
+            <a:schemeClr val="bg1"/>
+          </a:solidFill>
+          <a:ln>
+            <a:solidFill>
+              <a:schemeClr val="tx1"/>
+            </a:solidFill>
+          </a:ln>
+        </p:spPr>
+        <p:style>
+          <a:lnRef idx="2">
+            <a:schemeClr val="accent1">
+              <a:shade val="50000"/>
+            </a:schemeClr>
+          </a:lnRef>
+          <a:fillRef idx="1">
+            <a:schemeClr val="accent1"/>
+          </a:fillRef>
+          <a:effectRef idx="0">
+            <a:schemeClr val="accent1"/>
+          </a:effectRef>
+          <a:fontRef idx="minor">
+            <a:schemeClr val="lt1"/>
+          </a:fontRef>
+        </p:style>
+        <p:txBody>
+          <a:bodyPr rtlCol="0" anchor="ctr"/>
+          <a:lstStyle/>
+          <a:p>
+            <a:pPr algn="ctr"/>
+            <a:endParaRPr lang="en-US">
+              <a:latin typeface="나눔고딕 Light" panose="020D0904000000000000" pitchFamily="50" charset="-127"/>
+              <a:ea typeface="나눔고딕 Light" panose="020D0904000000000000" pitchFamily="50" charset="-127"/>
+            </a:endParaRPr>
+          </a:p>
+        </p:txBody>
+      </p:sp>
+      <p:cxnSp>
+        <p:nvCxnSpPr>
+          <p:cNvPr id="10" name="Straight Arrow Connector 9">
+            <a:extLst>
+              <a:ext uri="{FF2B5EF4-FFF2-40B4-BE49-F238E27FC236}">
+                <a16:creationId xmlns:a16="http://schemas.microsoft.com/office/drawing/2014/main" id="{47F7CEC7-79CA-C681-B055-108D7F4A86BF}"/>
+              </a:ext>
+            </a:extLst>
+          </p:cNvPr>
+          <p:cNvCxnSpPr>
+            <a:cxnSpLocks/>
+          </p:cNvCxnSpPr>
+          <p:nvPr/>
+        </p:nvCxnSpPr>
+        <p:spPr>
+          <a:xfrm>
+            <a:off x="4381500" y="4357985"/>
+            <a:ext cx="0" cy="471190"/>
+          </a:xfrm>
+          <a:prstGeom prst="straightConnector1">
+            <a:avLst/>
+          </a:prstGeom>
+          <a:ln>
+            <a:tailEnd type="triangle"/>
+          </a:ln>
+        </p:spPr>
+        <p:style>
+          <a:lnRef idx="1">
+            <a:schemeClr val="dk1"/>
+          </a:lnRef>
+          <a:fillRef idx="0">
+            <a:schemeClr val="dk1"/>
+          </a:fillRef>
+          <a:effectRef idx="0">
+            <a:schemeClr val="dk1"/>
+          </a:effectRef>
+          <a:fontRef idx="minor">
+            <a:schemeClr val="tx1"/>
+          </a:fontRef>
+        </p:style>
+      </p:cxnSp>
+      <p:cxnSp>
+        <p:nvCxnSpPr>
+          <p:cNvPr id="12" name="Straight Arrow Connector 11">
+            <a:extLst>
+              <a:ext uri="{FF2B5EF4-FFF2-40B4-BE49-F238E27FC236}">
+                <a16:creationId xmlns:a16="http://schemas.microsoft.com/office/drawing/2014/main" id="{C2D730D4-695C-0680-BC0E-AB2D5BBC5589}"/>
+              </a:ext>
+            </a:extLst>
+          </p:cNvPr>
+          <p:cNvCxnSpPr>
+            <a:cxnSpLocks/>
+          </p:cNvCxnSpPr>
+          <p:nvPr/>
+        </p:nvCxnSpPr>
+        <p:spPr>
+          <a:xfrm>
+            <a:off x="2134871" y="4904830"/>
+            <a:ext cx="2246629" cy="0"/>
+          </a:xfrm>
+          <a:prstGeom prst="straightConnector1">
+            <a:avLst/>
+          </a:prstGeom>
+          <a:ln>
+            <a:tailEnd type="triangle"/>
+          </a:ln>
+        </p:spPr>
+        <p:style>
+          <a:lnRef idx="1">
+            <a:schemeClr val="dk1"/>
+          </a:lnRef>
+          <a:fillRef idx="0">
+            <a:schemeClr val="dk1"/>
+          </a:fillRef>
+          <a:effectRef idx="0">
+            <a:schemeClr val="dk1"/>
+          </a:effectRef>
+          <a:fontRef idx="minor">
+            <a:schemeClr val="tx1"/>
+          </a:fontRef>
+        </p:style>
+      </p:cxnSp>
+      <p:cxnSp>
+        <p:nvCxnSpPr>
+          <p:cNvPr id="18" name="Straight Connector 17">
+            <a:extLst>
+              <a:ext uri="{FF2B5EF4-FFF2-40B4-BE49-F238E27FC236}">
+                <a16:creationId xmlns:a16="http://schemas.microsoft.com/office/drawing/2014/main" id="{1FD2D126-FBB6-3219-7A15-1C35BF254CF1}"/>
+              </a:ext>
+            </a:extLst>
+          </p:cNvPr>
+          <p:cNvCxnSpPr>
+            <a:cxnSpLocks/>
+          </p:cNvCxnSpPr>
+          <p:nvPr/>
+        </p:nvCxnSpPr>
+        <p:spPr>
+          <a:xfrm>
+            <a:off x="2134871" y="2294965"/>
+            <a:ext cx="1346629" cy="0"/>
+          </a:xfrm>
+          <a:prstGeom prst="line">
+            <a:avLst/>
+          </a:prstGeom>
+        </p:spPr>
+        <p:style>
+          <a:lnRef idx="1">
+            <a:schemeClr val="dk1"/>
+          </a:lnRef>
+          <a:fillRef idx="0">
+            <a:schemeClr val="dk1"/>
+          </a:fillRef>
+          <a:effectRef idx="0">
+            <a:schemeClr val="dk1"/>
+          </a:effectRef>
+          <a:fontRef idx="minor">
+            <a:schemeClr val="tx1"/>
+          </a:fontRef>
+        </p:style>
+      </p:cxnSp>
+      <p:sp>
+        <p:nvSpPr>
+          <p:cNvPr id="22" name="TextBox 21">
+            <a:extLst>
+              <a:ext uri="{FF2B5EF4-FFF2-40B4-BE49-F238E27FC236}">
+                <a16:creationId xmlns:a16="http://schemas.microsoft.com/office/drawing/2014/main" id="{FFB9FD6C-D019-F5AE-ADBF-A535712A3FF3}"/>
+              </a:ext>
+            </a:extLst>
+          </p:cNvPr>
+          <p:cNvSpPr txBox="1"/>
+          <p:nvPr/>
+        </p:nvSpPr>
+        <p:spPr>
+          <a:xfrm>
+            <a:off x="4219436" y="2106639"/>
+            <a:ext cx="324128" cy="369332"/>
+          </a:xfrm>
+          <a:prstGeom prst="rect">
+            <a:avLst/>
+          </a:prstGeom>
+          <a:noFill/>
+        </p:spPr>
+        <p:txBody>
+          <a:bodyPr wrap="none" rtlCol="0">
+            <a:spAutoFit/>
+          </a:bodyPr>
+          <a:lstStyle/>
+          <a:p>
+            <a:pPr algn="ctr"/>
+            <a:r>
+              <a:rPr lang="en-US" dirty="0">
+                <a:latin typeface="나눔고딕 Light" panose="020D0904000000000000" pitchFamily="50" charset="-127"/>
+                <a:ea typeface="나눔고딕 Light" panose="020D0904000000000000" pitchFamily="50" charset="-127"/>
+              </a:rPr>
+              <a:t>if</a:t>
+            </a:r>
+          </a:p>
+        </p:txBody>
+      </p:sp>
+      <p:sp>
+        <p:nvSpPr>
+          <p:cNvPr id="23" name="TextBox 22">
+            <a:extLst>
+              <a:ext uri="{FF2B5EF4-FFF2-40B4-BE49-F238E27FC236}">
+                <a16:creationId xmlns:a16="http://schemas.microsoft.com/office/drawing/2014/main" id="{925CF4CE-0A28-1D1D-2F36-9BA20D9BE8F8}"/>
+              </a:ext>
+            </a:extLst>
+          </p:cNvPr>
+          <p:cNvSpPr txBox="1"/>
+          <p:nvPr/>
+        </p:nvSpPr>
+        <p:spPr>
+          <a:xfrm>
+            <a:off x="2566079" y="1929160"/>
+            <a:ext cx="671979" cy="369332"/>
+          </a:xfrm>
+          <a:prstGeom prst="rect">
+            <a:avLst/>
+          </a:prstGeom>
+          <a:noFill/>
+        </p:spPr>
+        <p:txBody>
+          <a:bodyPr wrap="none" rtlCol="0">
+            <a:spAutoFit/>
+          </a:bodyPr>
+          <a:lstStyle/>
+          <a:p>
+            <a:r>
+              <a:rPr lang="en-US" dirty="0">
+                <a:latin typeface="나눔고딕 Light" panose="020D0904000000000000" pitchFamily="50" charset="-127"/>
+                <a:ea typeface="나눔고딕 Light" panose="020D0904000000000000" pitchFamily="50" charset="-127"/>
+              </a:rPr>
+              <a:t>false</a:t>
+            </a:r>
+          </a:p>
+        </p:txBody>
+      </p:sp>
+      <p:sp>
+        <p:nvSpPr>
+          <p:cNvPr id="24" name="TextBox 23">
+            <a:extLst>
+              <a:ext uri="{FF2B5EF4-FFF2-40B4-BE49-F238E27FC236}">
+                <a16:creationId xmlns:a16="http://schemas.microsoft.com/office/drawing/2014/main" id="{2D4284E6-B0F6-E1C6-8180-8EB9F3E36485}"/>
+              </a:ext>
+            </a:extLst>
+          </p:cNvPr>
+          <p:cNvSpPr txBox="1"/>
+          <p:nvPr/>
+        </p:nvSpPr>
+        <p:spPr>
+          <a:xfrm>
+            <a:off x="4371049" y="3254347"/>
+            <a:ext cx="615874" cy="369332"/>
+          </a:xfrm>
+          <a:prstGeom prst="rect">
+            <a:avLst/>
+          </a:prstGeom>
+          <a:noFill/>
+        </p:spPr>
+        <p:txBody>
+          <a:bodyPr wrap="none" rtlCol="0">
+            <a:spAutoFit/>
+          </a:bodyPr>
+          <a:lstStyle/>
+          <a:p>
+            <a:pPr algn="ctr"/>
+            <a:r>
+              <a:rPr lang="en-US" dirty="0">
+                <a:latin typeface="나눔고딕 Light" panose="020D0904000000000000" pitchFamily="50" charset="-127"/>
+                <a:ea typeface="나눔고딕 Light" panose="020D0904000000000000" pitchFamily="50" charset="-127"/>
+              </a:rPr>
+              <a:t>true</a:t>
+            </a:r>
+          </a:p>
+        </p:txBody>
+      </p:sp>
+      <p:sp>
+        <p:nvSpPr>
+          <p:cNvPr id="25" name="TextBox 24">
+            <a:extLst>
+              <a:ext uri="{FF2B5EF4-FFF2-40B4-BE49-F238E27FC236}">
+                <a16:creationId xmlns:a16="http://schemas.microsoft.com/office/drawing/2014/main" id="{A402C74E-50BC-D574-4677-77F86E20DA74}"/>
+              </a:ext>
+            </a:extLst>
+          </p:cNvPr>
+          <p:cNvSpPr txBox="1"/>
+          <p:nvPr/>
+        </p:nvSpPr>
+        <p:spPr>
+          <a:xfrm>
+            <a:off x="3614310" y="3866811"/>
+            <a:ext cx="1534394" cy="369332"/>
+          </a:xfrm>
+          <a:prstGeom prst="rect">
+            <a:avLst/>
+          </a:prstGeom>
+          <a:noFill/>
+        </p:spPr>
+        <p:txBody>
+          <a:bodyPr wrap="none" rtlCol="0">
+            <a:spAutoFit/>
+          </a:bodyPr>
+          <a:lstStyle/>
+          <a:p>
+            <a:pPr algn="ctr"/>
+            <a:r>
+              <a:rPr lang="ko-KR" altLang="en-US" dirty="0">
+                <a:latin typeface="나눔고딕 Light" panose="020D0904000000000000" pitchFamily="50" charset="-127"/>
+                <a:ea typeface="나눔고딕 Light" panose="020D0904000000000000" pitchFamily="50" charset="-127"/>
+              </a:rPr>
+              <a:t>명령어 그룹 </a:t>
+            </a:r>
+            <a:r>
+              <a:rPr lang="en-US" altLang="ko-KR" dirty="0">
+                <a:latin typeface="나눔고딕 Light" panose="020D0904000000000000" pitchFamily="50" charset="-127"/>
+                <a:ea typeface="나눔고딕 Light" panose="020D0904000000000000" pitchFamily="50" charset="-127"/>
+              </a:rPr>
+              <a:t>1</a:t>
+            </a:r>
+          </a:p>
+        </p:txBody>
+      </p:sp>
+      <p:cxnSp>
+        <p:nvCxnSpPr>
+          <p:cNvPr id="26" name="Straight Arrow Connector 25">
+            <a:extLst>
+              <a:ext uri="{FF2B5EF4-FFF2-40B4-BE49-F238E27FC236}">
+                <a16:creationId xmlns:a16="http://schemas.microsoft.com/office/drawing/2014/main" id="{9AC5084C-5AF3-A796-62FC-843AA3A17C58}"/>
+              </a:ext>
+            </a:extLst>
+          </p:cNvPr>
+          <p:cNvCxnSpPr/>
+          <p:nvPr/>
+        </p:nvCxnSpPr>
+        <p:spPr>
+          <a:xfrm>
+            <a:off x="4381500" y="4967585"/>
+            <a:ext cx="0" cy="546845"/>
+          </a:xfrm>
+          <a:prstGeom prst="straightConnector1">
+            <a:avLst/>
+          </a:prstGeom>
+          <a:ln>
+            <a:tailEnd type="triangle"/>
+          </a:ln>
+        </p:spPr>
+        <p:style>
+          <a:lnRef idx="1">
+            <a:schemeClr val="dk1"/>
+          </a:lnRef>
+          <a:fillRef idx="0">
+            <a:schemeClr val="dk1"/>
+          </a:fillRef>
+          <a:effectRef idx="0">
+            <a:schemeClr val="dk1"/>
+          </a:effectRef>
+          <a:fontRef idx="minor">
+            <a:schemeClr val="tx1"/>
+          </a:fontRef>
+        </p:style>
+      </p:cxnSp>
+      <p:sp>
+        <p:nvSpPr>
+          <p:cNvPr id="27" name="TextBox 26">
+            <a:extLst>
+              <a:ext uri="{FF2B5EF4-FFF2-40B4-BE49-F238E27FC236}">
+                <a16:creationId xmlns:a16="http://schemas.microsoft.com/office/drawing/2014/main" id="{78B36068-0EB3-21D8-D080-8CA4AF828B4B}"/>
+              </a:ext>
+            </a:extLst>
+          </p:cNvPr>
+          <p:cNvSpPr txBox="1"/>
+          <p:nvPr/>
+        </p:nvSpPr>
+        <p:spPr>
+          <a:xfrm>
+            <a:off x="4450060" y="4720164"/>
+            <a:ext cx="588623" cy="369332"/>
+          </a:xfrm>
+          <a:prstGeom prst="rect">
+            <a:avLst/>
+          </a:prstGeom>
+          <a:noFill/>
+        </p:spPr>
+        <p:txBody>
+          <a:bodyPr wrap="none" rtlCol="0">
+            <a:spAutoFit/>
+          </a:bodyPr>
+          <a:lstStyle/>
+          <a:p>
+            <a:pPr algn="ctr"/>
+            <a:r>
+              <a:rPr lang="en-US" dirty="0">
+                <a:latin typeface="나눔고딕 Light" panose="020D0904000000000000" pitchFamily="50" charset="-127"/>
+                <a:ea typeface="나눔고딕 Light" panose="020D0904000000000000" pitchFamily="50" charset="-127"/>
+              </a:rPr>
+              <a:t>end</a:t>
+            </a:r>
+          </a:p>
+        </p:txBody>
+      </p:sp>
+      <p:sp>
+        <p:nvSpPr>
+          <p:cNvPr id="30" name="TextBox 29">
+            <a:extLst>
+              <a:ext uri="{FF2B5EF4-FFF2-40B4-BE49-F238E27FC236}">
+                <a16:creationId xmlns:a16="http://schemas.microsoft.com/office/drawing/2014/main" id="{E5D81AAF-6068-1736-FAA0-8F5234982976}"/>
+              </a:ext>
+            </a:extLst>
+          </p:cNvPr>
+          <p:cNvSpPr txBox="1"/>
+          <p:nvPr/>
+        </p:nvSpPr>
+        <p:spPr>
+          <a:xfrm>
+            <a:off x="6657306" y="1305341"/>
+            <a:ext cx="4110591" cy="4247317"/>
+          </a:xfrm>
+          <a:prstGeom prst="rect">
+            <a:avLst/>
+          </a:prstGeom>
+          <a:noFill/>
+        </p:spPr>
+        <p:txBody>
+          <a:bodyPr wrap="square">
+            <a:spAutoFit/>
+          </a:bodyPr>
+          <a:lstStyle/>
+          <a:p>
+            <a:r>
+              <a:rPr lang="en-US" b="0" i="0" dirty="0">
+                <a:solidFill>
+                  <a:srgbClr val="0E00FF"/>
+                </a:solidFill>
+                <a:effectLst/>
+                <a:latin typeface="나눔고딕 Light" panose="020D0904000000000000" pitchFamily="50" charset="-127"/>
+                <a:ea typeface="나눔고딕 Light" panose="020D0904000000000000" pitchFamily="50" charset="-127"/>
+              </a:rPr>
+              <a:t>...</a:t>
+            </a:r>
+            <a:endParaRPr lang="en-US" b="0" i="0" dirty="0">
+              <a:effectLst/>
+              <a:latin typeface="나눔고딕 Light" panose="020D0904000000000000" pitchFamily="50" charset="-127"/>
+              <a:ea typeface="나눔고딕 Light" panose="020D0904000000000000" pitchFamily="50" charset="-127"/>
+            </a:endParaRPr>
+          </a:p>
+          <a:p>
+            <a:r>
+              <a:rPr lang="en-US" b="0" i="0" dirty="0">
+                <a:solidFill>
+                  <a:srgbClr val="0E00FF"/>
+                </a:solidFill>
+                <a:effectLst/>
+                <a:latin typeface="나눔고딕 Light" panose="020D0904000000000000" pitchFamily="50" charset="-127"/>
+                <a:ea typeface="나눔고딕 Light" panose="020D0904000000000000" pitchFamily="50" charset="-127"/>
+              </a:rPr>
+              <a:t>...</a:t>
+            </a:r>
+            <a:r>
+              <a:rPr lang="en-US" b="0" i="0" dirty="0">
+                <a:solidFill>
+                  <a:srgbClr val="008013"/>
+                </a:solidFill>
+                <a:effectLst/>
+                <a:latin typeface="나눔고딕 Light" panose="020D0904000000000000" pitchFamily="50" charset="-127"/>
+                <a:ea typeface="나눔고딕 Light" panose="020D0904000000000000" pitchFamily="50" charset="-127"/>
+              </a:rPr>
+              <a:t> % </a:t>
+            </a:r>
+            <a:r>
+              <a:rPr lang="en-US" dirty="0">
+                <a:solidFill>
+                  <a:srgbClr val="008013"/>
+                </a:solidFill>
+                <a:latin typeface="나눔고딕 Light" panose="020D0904000000000000" pitchFamily="50" charset="-127"/>
+                <a:ea typeface="나눔고딕 Light" panose="020D0904000000000000" pitchFamily="50" charset="-127"/>
+              </a:rPr>
+              <a:t>if-else-end</a:t>
+            </a:r>
+            <a:r>
+              <a:rPr lang="ko-KR" altLang="en-US" dirty="0">
+                <a:solidFill>
+                  <a:srgbClr val="008013"/>
+                </a:solidFill>
+                <a:latin typeface="나눔고딕 Light" panose="020D0904000000000000" pitchFamily="50" charset="-127"/>
+                <a:ea typeface="나눔고딕 Light" panose="020D0904000000000000" pitchFamily="50" charset="-127"/>
+              </a:rPr>
+              <a:t> 이전 </a:t>
+            </a:r>
+            <a:r>
+              <a:rPr lang="ko-KR" altLang="en-US" b="0" i="0" dirty="0">
+                <a:solidFill>
+                  <a:srgbClr val="008013"/>
+                </a:solidFill>
+                <a:effectLst/>
+                <a:latin typeface="나눔고딕 Light" panose="020D0904000000000000" pitchFamily="50" charset="-127"/>
+                <a:ea typeface="나눔고딕 Light" panose="020D0904000000000000" pitchFamily="50" charset="-127"/>
+              </a:rPr>
+              <a:t>명령어</a:t>
+            </a:r>
+            <a:endParaRPr lang="en-US" altLang="ko-KR" b="0" i="0" dirty="0">
+              <a:solidFill>
+                <a:srgbClr val="008013"/>
+              </a:solidFill>
+              <a:effectLst/>
+              <a:latin typeface="나눔고딕 Light" panose="020D0904000000000000" pitchFamily="50" charset="-127"/>
+              <a:ea typeface="나눔고딕 Light" panose="020D0904000000000000" pitchFamily="50" charset="-127"/>
+            </a:endParaRPr>
+          </a:p>
+          <a:p>
+            <a:r>
+              <a:rPr lang="en-US" b="0" i="0" dirty="0">
+                <a:solidFill>
+                  <a:srgbClr val="0E00FF"/>
+                </a:solidFill>
+                <a:effectLst/>
+                <a:latin typeface="나눔고딕 Light" panose="020D0904000000000000" pitchFamily="50" charset="-127"/>
+                <a:ea typeface="나눔고딕 Light" panose="020D0904000000000000" pitchFamily="50" charset="-127"/>
+              </a:rPr>
+              <a:t>...</a:t>
+            </a:r>
+            <a:endParaRPr lang="en-US" b="0" i="0" dirty="0">
+              <a:effectLst/>
+              <a:latin typeface="나눔고딕 Light" panose="020D0904000000000000" pitchFamily="50" charset="-127"/>
+              <a:ea typeface="나눔고딕 Light" panose="020D0904000000000000" pitchFamily="50" charset="-127"/>
+            </a:endParaRPr>
+          </a:p>
+          <a:p>
+            <a:r>
+              <a:rPr lang="en-US" b="0" i="0" dirty="0">
+                <a:solidFill>
+                  <a:srgbClr val="0E00FF"/>
+                </a:solidFill>
+                <a:effectLst/>
+                <a:latin typeface="나눔고딕 Light" panose="020D0904000000000000" pitchFamily="50" charset="-127"/>
+                <a:ea typeface="나눔고딕 Light" panose="020D0904000000000000" pitchFamily="50" charset="-127"/>
+              </a:rPr>
+              <a:t>if </a:t>
+            </a:r>
+            <a:r>
+              <a:rPr lang="en-US" b="0" i="0" dirty="0">
+                <a:effectLst/>
+                <a:latin typeface="나눔고딕 Light" panose="020D0904000000000000" pitchFamily="50" charset="-127"/>
+                <a:ea typeface="나눔고딕 Light" panose="020D0904000000000000" pitchFamily="50" charset="-127"/>
+              </a:rPr>
+              <a:t>(condition)</a:t>
+            </a:r>
+          </a:p>
+          <a:p>
+            <a:r>
+              <a:rPr lang="en-US" dirty="0">
+                <a:solidFill>
+                  <a:srgbClr val="0E00FF"/>
+                </a:solidFill>
+                <a:latin typeface="나눔고딕 Light" panose="020D0904000000000000" pitchFamily="50" charset="-127"/>
+                <a:ea typeface="나눔고딕 Light" panose="020D0904000000000000" pitchFamily="50" charset="-127"/>
+              </a:rPr>
+              <a:t>     </a:t>
+            </a:r>
+            <a:r>
+              <a:rPr lang="en-US" b="0" i="0" dirty="0">
+                <a:solidFill>
+                  <a:srgbClr val="0E00FF"/>
+                </a:solidFill>
+                <a:effectLst/>
+                <a:latin typeface="나눔고딕 Light" panose="020D0904000000000000" pitchFamily="50" charset="-127"/>
+                <a:ea typeface="나눔고딕 Light" panose="020D0904000000000000" pitchFamily="50" charset="-127"/>
+              </a:rPr>
+              <a:t>...</a:t>
+            </a:r>
+            <a:endParaRPr lang="en-US" b="0" i="0" dirty="0">
+              <a:effectLst/>
+              <a:latin typeface="나눔고딕 Light" panose="020D0904000000000000" pitchFamily="50" charset="-127"/>
+              <a:ea typeface="나눔고딕 Light" panose="020D0904000000000000" pitchFamily="50" charset="-127"/>
+            </a:endParaRPr>
+          </a:p>
+          <a:p>
+            <a:r>
+              <a:rPr lang="en-US" b="0" i="0" dirty="0">
+                <a:solidFill>
+                  <a:srgbClr val="0E00FF"/>
+                </a:solidFill>
+                <a:effectLst/>
+                <a:latin typeface="나눔고딕 Light" panose="020D0904000000000000" pitchFamily="50" charset="-127"/>
+                <a:ea typeface="나눔고딕 Light" panose="020D0904000000000000" pitchFamily="50" charset="-127"/>
+              </a:rPr>
+              <a:t>     ...</a:t>
+            </a:r>
+            <a:r>
+              <a:rPr lang="en-US" b="0" i="0" dirty="0">
+                <a:solidFill>
+                  <a:srgbClr val="008013"/>
+                </a:solidFill>
+                <a:effectLst/>
+                <a:latin typeface="나눔고딕 Light" panose="020D0904000000000000" pitchFamily="50" charset="-127"/>
+                <a:ea typeface="나눔고딕 Light" panose="020D0904000000000000" pitchFamily="50" charset="-127"/>
+              </a:rPr>
+              <a:t> % </a:t>
+            </a:r>
+            <a:r>
+              <a:rPr lang="ko-KR" altLang="en-US" dirty="0">
+                <a:solidFill>
+                  <a:srgbClr val="008013"/>
+                </a:solidFill>
+                <a:latin typeface="나눔고딕 Light" panose="020D0904000000000000" pitchFamily="50" charset="-127"/>
+                <a:ea typeface="나눔고딕 Light" panose="020D0904000000000000" pitchFamily="50" charset="-127"/>
+              </a:rPr>
+              <a:t>명령어 그룹 </a:t>
+            </a:r>
+            <a:r>
+              <a:rPr lang="en-US" altLang="ko-KR" dirty="0">
+                <a:solidFill>
+                  <a:srgbClr val="008013"/>
+                </a:solidFill>
+                <a:latin typeface="나눔고딕 Light" panose="020D0904000000000000" pitchFamily="50" charset="-127"/>
+                <a:ea typeface="나눔고딕 Light" panose="020D0904000000000000" pitchFamily="50" charset="-127"/>
+              </a:rPr>
+              <a:t>1</a:t>
+            </a:r>
+            <a:endParaRPr lang="en-US" b="0" i="0" dirty="0">
+              <a:effectLst/>
+              <a:latin typeface="나눔고딕 Light" panose="020D0904000000000000" pitchFamily="50" charset="-127"/>
+              <a:ea typeface="나눔고딕 Light" panose="020D0904000000000000" pitchFamily="50" charset="-127"/>
+            </a:endParaRPr>
+          </a:p>
+          <a:p>
+            <a:r>
+              <a:rPr lang="en-US" b="0" i="0" dirty="0">
+                <a:solidFill>
+                  <a:srgbClr val="0E00FF"/>
+                </a:solidFill>
+                <a:effectLst/>
+                <a:latin typeface="나눔고딕 Light" panose="020D0904000000000000" pitchFamily="50" charset="-127"/>
+                <a:ea typeface="나눔고딕 Light" panose="020D0904000000000000" pitchFamily="50" charset="-127"/>
+              </a:rPr>
+              <a:t>     ...</a:t>
+            </a:r>
+          </a:p>
+          <a:p>
+            <a:r>
+              <a:rPr lang="en-US" dirty="0">
+                <a:solidFill>
+                  <a:srgbClr val="0E00FF"/>
+                </a:solidFill>
+                <a:latin typeface="나눔고딕 Light" panose="020D0904000000000000" pitchFamily="50" charset="-127"/>
+                <a:ea typeface="나눔고딕 Light" panose="020D0904000000000000" pitchFamily="50" charset="-127"/>
+              </a:rPr>
+              <a:t>else</a:t>
+            </a:r>
+          </a:p>
+          <a:p>
+            <a:r>
+              <a:rPr lang="en-US" dirty="0">
+                <a:solidFill>
+                  <a:srgbClr val="0E00FF"/>
+                </a:solidFill>
+                <a:latin typeface="나눔고딕 Light" panose="020D0904000000000000" pitchFamily="50" charset="-127"/>
+                <a:ea typeface="나눔고딕 Light" panose="020D0904000000000000" pitchFamily="50" charset="-127"/>
+              </a:rPr>
+              <a:t>     </a:t>
+            </a:r>
+            <a:r>
+              <a:rPr lang="en-US" b="0" i="0" dirty="0">
+                <a:solidFill>
+                  <a:srgbClr val="0E00FF"/>
+                </a:solidFill>
+                <a:effectLst/>
+                <a:latin typeface="나눔고딕 Light" panose="020D0904000000000000" pitchFamily="50" charset="-127"/>
+                <a:ea typeface="나눔고딕 Light" panose="020D0904000000000000" pitchFamily="50" charset="-127"/>
+              </a:rPr>
+              <a:t>...</a:t>
+            </a:r>
+            <a:endParaRPr lang="en-US" b="0" i="0" dirty="0">
+              <a:effectLst/>
+              <a:latin typeface="나눔고딕 Light" panose="020D0904000000000000" pitchFamily="50" charset="-127"/>
+              <a:ea typeface="나눔고딕 Light" panose="020D0904000000000000" pitchFamily="50" charset="-127"/>
+            </a:endParaRPr>
+          </a:p>
+          <a:p>
+            <a:r>
+              <a:rPr lang="en-US" b="0" i="0" dirty="0">
+                <a:solidFill>
+                  <a:srgbClr val="0E00FF"/>
+                </a:solidFill>
+                <a:effectLst/>
+                <a:latin typeface="나눔고딕 Light" panose="020D0904000000000000" pitchFamily="50" charset="-127"/>
+                <a:ea typeface="나눔고딕 Light" panose="020D0904000000000000" pitchFamily="50" charset="-127"/>
+              </a:rPr>
+              <a:t>     ...</a:t>
+            </a:r>
+            <a:r>
+              <a:rPr lang="en-US" b="0" i="0" dirty="0">
+                <a:solidFill>
+                  <a:srgbClr val="008013"/>
+                </a:solidFill>
+                <a:effectLst/>
+                <a:latin typeface="나눔고딕 Light" panose="020D0904000000000000" pitchFamily="50" charset="-127"/>
+                <a:ea typeface="나눔고딕 Light" panose="020D0904000000000000" pitchFamily="50" charset="-127"/>
+              </a:rPr>
+              <a:t> % </a:t>
+            </a:r>
+            <a:r>
+              <a:rPr lang="ko-KR" altLang="en-US" b="0" i="0" dirty="0">
+                <a:solidFill>
+                  <a:srgbClr val="008013"/>
+                </a:solidFill>
+                <a:effectLst/>
+                <a:latin typeface="나눔고딕 Light" panose="020D0904000000000000" pitchFamily="50" charset="-127"/>
+                <a:ea typeface="나눔고딕 Light" panose="020D0904000000000000" pitchFamily="50" charset="-127"/>
+              </a:rPr>
+              <a:t>명령어 그룹 </a:t>
+            </a:r>
+            <a:r>
+              <a:rPr lang="en-US" altLang="ko-KR" b="0" i="0" dirty="0">
+                <a:solidFill>
+                  <a:srgbClr val="008013"/>
+                </a:solidFill>
+                <a:effectLst/>
+                <a:latin typeface="나눔고딕 Light" panose="020D0904000000000000" pitchFamily="50" charset="-127"/>
+                <a:ea typeface="나눔고딕 Light" panose="020D0904000000000000" pitchFamily="50" charset="-127"/>
+              </a:rPr>
+              <a:t>2</a:t>
+            </a:r>
+            <a:endParaRPr lang="en-US" b="0" i="0" dirty="0">
+              <a:effectLst/>
+              <a:latin typeface="나눔고딕 Light" panose="020D0904000000000000" pitchFamily="50" charset="-127"/>
+              <a:ea typeface="나눔고딕 Light" panose="020D0904000000000000" pitchFamily="50" charset="-127"/>
+            </a:endParaRPr>
+          </a:p>
+          <a:p>
+            <a:r>
+              <a:rPr lang="en-US" b="0" i="0" dirty="0">
+                <a:solidFill>
+                  <a:srgbClr val="0E00FF"/>
+                </a:solidFill>
+                <a:effectLst/>
+                <a:latin typeface="나눔고딕 Light" panose="020D0904000000000000" pitchFamily="50" charset="-127"/>
+                <a:ea typeface="나눔고딕 Light" panose="020D0904000000000000" pitchFamily="50" charset="-127"/>
+              </a:rPr>
+              <a:t>     ...</a:t>
+            </a:r>
+            <a:endParaRPr lang="en-US" b="0" i="0" dirty="0">
+              <a:effectLst/>
+              <a:latin typeface="나눔고딕 Light" panose="020D0904000000000000" pitchFamily="50" charset="-127"/>
+              <a:ea typeface="나눔고딕 Light" panose="020D0904000000000000" pitchFamily="50" charset="-127"/>
+            </a:endParaRPr>
+          </a:p>
+          <a:p>
+            <a:r>
+              <a:rPr lang="en-US" b="0" i="0" dirty="0">
+                <a:solidFill>
+                  <a:srgbClr val="0E00FF"/>
+                </a:solidFill>
+                <a:effectLst/>
+                <a:latin typeface="나눔고딕 Light" panose="020D0904000000000000" pitchFamily="50" charset="-127"/>
+                <a:ea typeface="나눔고딕 Light" panose="020D0904000000000000" pitchFamily="50" charset="-127"/>
+              </a:rPr>
+              <a:t>end</a:t>
+            </a:r>
+            <a:endParaRPr lang="en-US" b="0" i="0" dirty="0">
+              <a:effectLst/>
+              <a:latin typeface="나눔고딕 Light" panose="020D0904000000000000" pitchFamily="50" charset="-127"/>
+              <a:ea typeface="나눔고딕 Light" panose="020D0904000000000000" pitchFamily="50" charset="-127"/>
+            </a:endParaRPr>
+          </a:p>
+          <a:p>
+            <a:r>
+              <a:rPr lang="en-US" b="0" i="0" dirty="0">
+                <a:solidFill>
+                  <a:srgbClr val="0E00FF"/>
+                </a:solidFill>
+                <a:effectLst/>
+                <a:latin typeface="나눔고딕 Light" panose="020D0904000000000000" pitchFamily="50" charset="-127"/>
+                <a:ea typeface="나눔고딕 Light" panose="020D0904000000000000" pitchFamily="50" charset="-127"/>
+              </a:rPr>
+              <a:t>...</a:t>
+            </a:r>
+            <a:endParaRPr lang="en-US" b="0" i="0" dirty="0">
+              <a:effectLst/>
+              <a:latin typeface="나눔고딕 Light" panose="020D0904000000000000" pitchFamily="50" charset="-127"/>
+              <a:ea typeface="나눔고딕 Light" panose="020D0904000000000000" pitchFamily="50" charset="-127"/>
+            </a:endParaRPr>
+          </a:p>
+          <a:p>
+            <a:r>
+              <a:rPr lang="en-US" b="0" i="0" dirty="0">
+                <a:solidFill>
+                  <a:srgbClr val="0E00FF"/>
+                </a:solidFill>
+                <a:effectLst/>
+                <a:latin typeface="나눔고딕 Light" panose="020D0904000000000000" pitchFamily="50" charset="-127"/>
+                <a:ea typeface="나눔고딕 Light" panose="020D0904000000000000" pitchFamily="50" charset="-127"/>
+              </a:rPr>
+              <a:t>...</a:t>
+            </a:r>
+            <a:r>
+              <a:rPr lang="en-US" b="0" i="0" dirty="0">
+                <a:solidFill>
+                  <a:srgbClr val="008013"/>
+                </a:solidFill>
+                <a:effectLst/>
+                <a:latin typeface="나눔고딕 Light" panose="020D0904000000000000" pitchFamily="50" charset="-127"/>
+                <a:ea typeface="나눔고딕 Light" panose="020D0904000000000000" pitchFamily="50" charset="-127"/>
+              </a:rPr>
+              <a:t> % if-else-end </a:t>
+            </a:r>
+            <a:r>
+              <a:rPr lang="ko-KR" altLang="en-US" b="0" i="0" dirty="0">
+                <a:solidFill>
+                  <a:srgbClr val="008013"/>
+                </a:solidFill>
+                <a:effectLst/>
+                <a:latin typeface="나눔고딕 Light" panose="020D0904000000000000" pitchFamily="50" charset="-127"/>
+                <a:ea typeface="나눔고딕 Light" panose="020D0904000000000000" pitchFamily="50" charset="-127"/>
+              </a:rPr>
+              <a:t>이후 명령어</a:t>
+            </a:r>
+            <a:endParaRPr lang="en-US" b="0" i="0" dirty="0">
+              <a:effectLst/>
+              <a:latin typeface="나눔고딕 Light" panose="020D0904000000000000" pitchFamily="50" charset="-127"/>
+              <a:ea typeface="나눔고딕 Light" panose="020D0904000000000000" pitchFamily="50" charset="-127"/>
+            </a:endParaRPr>
+          </a:p>
+          <a:p>
+            <a:r>
+              <a:rPr lang="en-US" b="0" i="0" dirty="0">
+                <a:solidFill>
+                  <a:srgbClr val="0E00FF"/>
+                </a:solidFill>
+                <a:effectLst/>
+                <a:latin typeface="나눔고딕 Light" panose="020D0904000000000000" pitchFamily="50" charset="-127"/>
+                <a:ea typeface="나눔고딕 Light" panose="020D0904000000000000" pitchFamily="50" charset="-127"/>
+              </a:rPr>
+              <a:t>...</a:t>
+            </a:r>
+            <a:endParaRPr lang="en-US" b="0" i="0" dirty="0">
+              <a:effectLst/>
+              <a:latin typeface="나눔고딕 Light" panose="020D0904000000000000" pitchFamily="50" charset="-127"/>
+              <a:ea typeface="나눔고딕 Light" panose="020D0904000000000000" pitchFamily="50" charset="-127"/>
+            </a:endParaRPr>
+          </a:p>
+        </p:txBody>
+      </p:sp>
+      <p:sp>
+        <p:nvSpPr>
+          <p:cNvPr id="2" name="Flowchart: Process 1">
+            <a:extLst>
+              <a:ext uri="{FF2B5EF4-FFF2-40B4-BE49-F238E27FC236}">
+                <a16:creationId xmlns:a16="http://schemas.microsoft.com/office/drawing/2014/main" id="{9DB1F2AF-4355-C303-D50C-17E68A6B9813}"/>
+              </a:ext>
+            </a:extLst>
+          </p:cNvPr>
+          <p:cNvSpPr/>
+          <p:nvPr/>
+        </p:nvSpPr>
+        <p:spPr>
+          <a:xfrm>
+            <a:off x="1234874" y="3745337"/>
+            <a:ext cx="1799994" cy="612648"/>
+          </a:xfrm>
+          <a:prstGeom prst="flowChartProcess">
+            <a:avLst/>
+          </a:prstGeom>
+          <a:solidFill>
+            <a:schemeClr val="bg1"/>
+          </a:solidFill>
+          <a:ln>
+            <a:solidFill>
+              <a:schemeClr val="tx1"/>
+            </a:solidFill>
+          </a:ln>
+        </p:spPr>
+        <p:style>
+          <a:lnRef idx="2">
+            <a:schemeClr val="accent1">
+              <a:shade val="50000"/>
+            </a:schemeClr>
+          </a:lnRef>
+          <a:fillRef idx="1">
+            <a:schemeClr val="accent1"/>
+          </a:fillRef>
+          <a:effectRef idx="0">
+            <a:schemeClr val="accent1"/>
+          </a:effectRef>
+          <a:fontRef idx="minor">
+            <a:schemeClr val="lt1"/>
+          </a:fontRef>
+        </p:style>
+        <p:txBody>
+          <a:bodyPr rtlCol="0" anchor="ctr"/>
+          <a:lstStyle/>
+          <a:p>
+            <a:pPr algn="ctr"/>
+            <a:endParaRPr lang="en-US">
+              <a:latin typeface="나눔고딕 Light" panose="020D0904000000000000" pitchFamily="50" charset="-127"/>
+              <a:ea typeface="나눔고딕 Light" panose="020D0904000000000000" pitchFamily="50" charset="-127"/>
+            </a:endParaRPr>
+          </a:p>
+        </p:txBody>
+      </p:sp>
+      <p:cxnSp>
+        <p:nvCxnSpPr>
+          <p:cNvPr id="3" name="Straight Arrow Connector 2">
+            <a:extLst>
+              <a:ext uri="{FF2B5EF4-FFF2-40B4-BE49-F238E27FC236}">
+                <a16:creationId xmlns:a16="http://schemas.microsoft.com/office/drawing/2014/main" id="{11D4C0A0-66B8-6720-2542-275F0C1D0C6D}"/>
+              </a:ext>
+            </a:extLst>
+          </p:cNvPr>
+          <p:cNvCxnSpPr>
+            <a:cxnSpLocks/>
+          </p:cNvCxnSpPr>
+          <p:nvPr/>
+        </p:nvCxnSpPr>
+        <p:spPr>
+          <a:xfrm>
+            <a:off x="2134871" y="2293200"/>
+            <a:ext cx="0" cy="1454032"/>
+          </a:xfrm>
+          <a:prstGeom prst="straightConnector1">
+            <a:avLst/>
+          </a:prstGeom>
+          <a:ln>
+            <a:tailEnd type="triangle"/>
+          </a:ln>
+        </p:spPr>
+        <p:style>
+          <a:lnRef idx="1">
+            <a:schemeClr val="dk1"/>
+          </a:lnRef>
+          <a:fillRef idx="0">
+            <a:schemeClr val="dk1"/>
+          </a:fillRef>
+          <a:effectRef idx="0">
+            <a:schemeClr val="dk1"/>
+          </a:effectRef>
+          <a:fontRef idx="minor">
+            <a:schemeClr val="tx1"/>
+          </a:fontRef>
+        </p:style>
+      </p:cxnSp>
+      <p:sp>
+        <p:nvSpPr>
+          <p:cNvPr id="11" name="TextBox 10">
+            <a:extLst>
+              <a:ext uri="{FF2B5EF4-FFF2-40B4-BE49-F238E27FC236}">
+                <a16:creationId xmlns:a16="http://schemas.microsoft.com/office/drawing/2014/main" id="{BD5ECCE3-9094-586C-DA09-4F79A336151D}"/>
+              </a:ext>
+            </a:extLst>
+          </p:cNvPr>
+          <p:cNvSpPr txBox="1"/>
+          <p:nvPr/>
+        </p:nvSpPr>
+        <p:spPr>
+          <a:xfrm>
+            <a:off x="1367674" y="3866811"/>
+            <a:ext cx="1534395" cy="369332"/>
+          </a:xfrm>
+          <a:prstGeom prst="rect">
+            <a:avLst/>
+          </a:prstGeom>
+          <a:noFill/>
+        </p:spPr>
+        <p:txBody>
+          <a:bodyPr wrap="none" rtlCol="0">
+            <a:spAutoFit/>
+          </a:bodyPr>
+          <a:lstStyle/>
+          <a:p>
+            <a:pPr algn="ctr"/>
+            <a:r>
+              <a:rPr lang="ko-KR" altLang="en-US" dirty="0">
+                <a:latin typeface="나눔고딕 Light" panose="020D0904000000000000" pitchFamily="50" charset="-127"/>
+                <a:ea typeface="나눔고딕 Light" panose="020D0904000000000000" pitchFamily="50" charset="-127"/>
+              </a:rPr>
+              <a:t>명령어 그룹 </a:t>
+            </a:r>
+            <a:r>
+              <a:rPr lang="en-US" altLang="ko-KR" dirty="0">
+                <a:latin typeface="나눔고딕 Light" panose="020D0904000000000000" pitchFamily="50" charset="-127"/>
+                <a:ea typeface="나눔고딕 Light" panose="020D0904000000000000" pitchFamily="50" charset="-127"/>
+              </a:rPr>
+              <a:t>2</a:t>
+            </a:r>
+          </a:p>
+        </p:txBody>
+      </p:sp>
+      <p:cxnSp>
+        <p:nvCxnSpPr>
+          <p:cNvPr id="13" name="Straight Arrow Connector 12">
+            <a:extLst>
+              <a:ext uri="{FF2B5EF4-FFF2-40B4-BE49-F238E27FC236}">
+                <a16:creationId xmlns:a16="http://schemas.microsoft.com/office/drawing/2014/main" id="{374A679A-5596-DA89-FA72-3DAB5C95030D}"/>
+              </a:ext>
+            </a:extLst>
+          </p:cNvPr>
+          <p:cNvCxnSpPr>
+            <a:cxnSpLocks/>
+          </p:cNvCxnSpPr>
+          <p:nvPr/>
+        </p:nvCxnSpPr>
+        <p:spPr>
+          <a:xfrm>
+            <a:off x="2134871" y="4360366"/>
+            <a:ext cx="0" cy="546845"/>
+          </a:xfrm>
+          <a:prstGeom prst="straightConnector1">
+            <a:avLst/>
+          </a:prstGeom>
+          <a:ln>
+            <a:headEnd type="none" w="med" len="med"/>
+            <a:tailEnd type="none" w="med" len="med"/>
+          </a:ln>
+        </p:spPr>
+        <p:style>
+          <a:lnRef idx="1">
+            <a:schemeClr val="dk1"/>
+          </a:lnRef>
+          <a:fillRef idx="0">
+            <a:schemeClr val="dk1"/>
+          </a:fillRef>
+          <a:effectRef idx="0">
+            <a:schemeClr val="dk1"/>
+          </a:effectRef>
+          <a:fontRef idx="minor">
+            <a:schemeClr val="tx1"/>
+          </a:fontRef>
+        </p:style>
+      </p:cxnSp>
+    </p:spTree>
+    <p:extLst>
+      <p:ext uri="{BB962C8B-B14F-4D97-AF65-F5344CB8AC3E}">
+        <p14:creationId xmlns:p14="http://schemas.microsoft.com/office/powerpoint/2010/main" val="3055653593"/>
+      </p:ext>
+    </p:extLst>
+  </p:cSld>
+  <p:clrMapOvr>
+    <a:masterClrMapping/>
+  </p:clrMapOvr>
+</p:sld>
+</file>
+
+<file path=ppt/slides/slide3.xml><?xml version="1.0" encoding="utf-8"?>
+<p:sld xmlns:a="http://schemas.openxmlformats.org/drawingml/2006/main" xmlns:r="http://schemas.openxmlformats.org/officeDocument/2006/relationships" xmlns:p="http://schemas.openxmlformats.org/presentationml/2006/main">
+  <p:cSld>
+    <p:spTree>
+      <p:nvGrpSpPr>
+        <p:cNvPr id="1" name=""/>
+        <p:cNvGrpSpPr/>
+        <p:nvPr/>
+      </p:nvGrpSpPr>
+      <p:grpSpPr>
+        <a:xfrm>
+          <a:off x="0" y="0"/>
+          <a:ext cx="0" cy="0"/>
+          <a:chOff x="0" y="0"/>
+          <a:chExt cx="0" cy="0"/>
+        </a:xfrm>
+      </p:grpSpPr>
+      <p:sp>
+        <p:nvSpPr>
+          <p:cNvPr id="30" name="TextBox 29">
+            <a:extLst>
+              <a:ext uri="{FF2B5EF4-FFF2-40B4-BE49-F238E27FC236}">
+                <a16:creationId xmlns:a16="http://schemas.microsoft.com/office/drawing/2014/main" id="{E5D81AAF-6068-1736-FAA0-8F5234982976}"/>
+              </a:ext>
+            </a:extLst>
+          </p:cNvPr>
+          <p:cNvSpPr txBox="1"/>
+          <p:nvPr/>
+        </p:nvSpPr>
+        <p:spPr>
+          <a:xfrm>
+            <a:off x="7413434" y="751344"/>
+            <a:ext cx="4110591" cy="5355312"/>
+          </a:xfrm>
+          <a:prstGeom prst="rect">
+            <a:avLst/>
+          </a:prstGeom>
+          <a:noFill/>
+        </p:spPr>
+        <p:txBody>
+          <a:bodyPr wrap="square">
+            <a:spAutoFit/>
+          </a:bodyPr>
+          <a:lstStyle/>
+          <a:p>
+            <a:r>
+              <a:rPr lang="en-US" b="0" i="0" dirty="0">
+                <a:solidFill>
+                  <a:srgbClr val="0E00FF"/>
+                </a:solidFill>
+                <a:effectLst/>
+                <a:latin typeface="나눔고딕 Light" panose="020D0904000000000000" pitchFamily="50" charset="-127"/>
+                <a:ea typeface="나눔고딕 Light" panose="020D0904000000000000" pitchFamily="50" charset="-127"/>
+              </a:rPr>
+              <a:t>...</a:t>
+            </a:r>
+            <a:endParaRPr lang="en-US" b="0" i="0" dirty="0">
+              <a:effectLst/>
+              <a:latin typeface="나눔고딕 Light" panose="020D0904000000000000" pitchFamily="50" charset="-127"/>
+              <a:ea typeface="나눔고딕 Light" panose="020D0904000000000000" pitchFamily="50" charset="-127"/>
+            </a:endParaRPr>
+          </a:p>
+          <a:p>
+            <a:r>
+              <a:rPr lang="en-US" b="0" i="0" dirty="0">
+                <a:solidFill>
+                  <a:srgbClr val="0E00FF"/>
+                </a:solidFill>
+                <a:effectLst/>
+                <a:latin typeface="나눔고딕 Light" panose="020D0904000000000000" pitchFamily="50" charset="-127"/>
+                <a:ea typeface="나눔고딕 Light" panose="020D0904000000000000" pitchFamily="50" charset="-127"/>
+              </a:rPr>
+              <a:t>...</a:t>
+            </a:r>
+            <a:r>
+              <a:rPr lang="en-US" b="0" i="0" dirty="0">
+                <a:solidFill>
+                  <a:srgbClr val="008013"/>
+                </a:solidFill>
+                <a:effectLst/>
+                <a:latin typeface="나눔고딕 Light" panose="020D0904000000000000" pitchFamily="50" charset="-127"/>
+                <a:ea typeface="나눔고딕 Light" panose="020D0904000000000000" pitchFamily="50" charset="-127"/>
+              </a:rPr>
+              <a:t> % </a:t>
+            </a:r>
+            <a:r>
+              <a:rPr lang="en-US" dirty="0">
+                <a:solidFill>
+                  <a:srgbClr val="008013"/>
+                </a:solidFill>
+                <a:latin typeface="나눔고딕 Light" panose="020D0904000000000000" pitchFamily="50" charset="-127"/>
+                <a:ea typeface="나눔고딕 Light" panose="020D0904000000000000" pitchFamily="50" charset="-127"/>
+              </a:rPr>
+              <a:t>if-elseif-else-end</a:t>
+            </a:r>
+            <a:r>
+              <a:rPr lang="ko-KR" altLang="en-US" dirty="0">
+                <a:solidFill>
+                  <a:srgbClr val="008013"/>
+                </a:solidFill>
+                <a:latin typeface="나눔고딕 Light" panose="020D0904000000000000" pitchFamily="50" charset="-127"/>
+                <a:ea typeface="나눔고딕 Light" panose="020D0904000000000000" pitchFamily="50" charset="-127"/>
+              </a:rPr>
+              <a:t> 이전 </a:t>
+            </a:r>
+            <a:r>
+              <a:rPr lang="ko-KR" altLang="en-US" b="0" i="0" dirty="0">
+                <a:solidFill>
+                  <a:srgbClr val="008013"/>
+                </a:solidFill>
+                <a:effectLst/>
+                <a:latin typeface="나눔고딕 Light" panose="020D0904000000000000" pitchFamily="50" charset="-127"/>
+                <a:ea typeface="나눔고딕 Light" panose="020D0904000000000000" pitchFamily="50" charset="-127"/>
+              </a:rPr>
+              <a:t>명령어</a:t>
+            </a:r>
+            <a:endParaRPr lang="en-US" altLang="ko-KR" b="0" i="0" dirty="0">
+              <a:solidFill>
+                <a:srgbClr val="008013"/>
+              </a:solidFill>
+              <a:effectLst/>
+              <a:latin typeface="나눔고딕 Light" panose="020D0904000000000000" pitchFamily="50" charset="-127"/>
+              <a:ea typeface="나눔고딕 Light" panose="020D0904000000000000" pitchFamily="50" charset="-127"/>
+            </a:endParaRPr>
+          </a:p>
+          <a:p>
+            <a:r>
+              <a:rPr lang="en-US" b="0" i="0" dirty="0">
+                <a:solidFill>
+                  <a:srgbClr val="0E00FF"/>
+                </a:solidFill>
+                <a:effectLst/>
+                <a:latin typeface="나눔고딕 Light" panose="020D0904000000000000" pitchFamily="50" charset="-127"/>
+                <a:ea typeface="나눔고딕 Light" panose="020D0904000000000000" pitchFamily="50" charset="-127"/>
+              </a:rPr>
+              <a:t>...</a:t>
+            </a:r>
+            <a:endParaRPr lang="en-US" b="0" i="0" dirty="0">
+              <a:effectLst/>
+              <a:latin typeface="나눔고딕 Light" panose="020D0904000000000000" pitchFamily="50" charset="-127"/>
+              <a:ea typeface="나눔고딕 Light" panose="020D0904000000000000" pitchFamily="50" charset="-127"/>
+            </a:endParaRPr>
+          </a:p>
+          <a:p>
+            <a:r>
+              <a:rPr lang="en-US" b="0" i="0" dirty="0">
+                <a:solidFill>
+                  <a:srgbClr val="0E00FF"/>
+                </a:solidFill>
+                <a:effectLst/>
+                <a:latin typeface="나눔고딕 Light" panose="020D0904000000000000" pitchFamily="50" charset="-127"/>
+                <a:ea typeface="나눔고딕 Light" panose="020D0904000000000000" pitchFamily="50" charset="-127"/>
+              </a:rPr>
+              <a:t>if </a:t>
+            </a:r>
+            <a:r>
+              <a:rPr lang="en-US" b="0" i="0" dirty="0">
+                <a:effectLst/>
+                <a:latin typeface="나눔고딕 Light" panose="020D0904000000000000" pitchFamily="50" charset="-127"/>
+                <a:ea typeface="나눔고딕 Light" panose="020D0904000000000000" pitchFamily="50" charset="-127"/>
+              </a:rPr>
+              <a:t>(condition)</a:t>
+            </a:r>
+          </a:p>
+          <a:p>
+            <a:r>
+              <a:rPr lang="en-US" dirty="0">
+                <a:solidFill>
+                  <a:srgbClr val="0E00FF"/>
+                </a:solidFill>
+                <a:latin typeface="나눔고딕 Light" panose="020D0904000000000000" pitchFamily="50" charset="-127"/>
+                <a:ea typeface="나눔고딕 Light" panose="020D0904000000000000" pitchFamily="50" charset="-127"/>
+              </a:rPr>
+              <a:t>     </a:t>
+            </a:r>
+            <a:r>
+              <a:rPr lang="en-US" b="0" i="0" dirty="0">
+                <a:solidFill>
+                  <a:srgbClr val="0E00FF"/>
+                </a:solidFill>
+                <a:effectLst/>
+                <a:latin typeface="나눔고딕 Light" panose="020D0904000000000000" pitchFamily="50" charset="-127"/>
+                <a:ea typeface="나눔고딕 Light" panose="020D0904000000000000" pitchFamily="50" charset="-127"/>
+              </a:rPr>
+              <a:t>...</a:t>
+            </a:r>
+            <a:endParaRPr lang="en-US" b="0" i="0" dirty="0">
+              <a:effectLst/>
+              <a:latin typeface="나눔고딕 Light" panose="020D0904000000000000" pitchFamily="50" charset="-127"/>
+              <a:ea typeface="나눔고딕 Light" panose="020D0904000000000000" pitchFamily="50" charset="-127"/>
+            </a:endParaRPr>
+          </a:p>
+          <a:p>
+            <a:r>
+              <a:rPr lang="en-US" b="0" i="0" dirty="0">
+                <a:solidFill>
+                  <a:srgbClr val="0E00FF"/>
+                </a:solidFill>
+                <a:effectLst/>
+                <a:latin typeface="나눔고딕 Light" panose="020D0904000000000000" pitchFamily="50" charset="-127"/>
+                <a:ea typeface="나눔고딕 Light" panose="020D0904000000000000" pitchFamily="50" charset="-127"/>
+              </a:rPr>
+              <a:t>     ...</a:t>
+            </a:r>
+            <a:r>
+              <a:rPr lang="en-US" b="0" i="0" dirty="0">
+                <a:solidFill>
+                  <a:srgbClr val="008013"/>
+                </a:solidFill>
+                <a:effectLst/>
+                <a:latin typeface="나눔고딕 Light" panose="020D0904000000000000" pitchFamily="50" charset="-127"/>
+                <a:ea typeface="나눔고딕 Light" panose="020D0904000000000000" pitchFamily="50" charset="-127"/>
+              </a:rPr>
+              <a:t> % </a:t>
+            </a:r>
+            <a:r>
+              <a:rPr lang="ko-KR" altLang="en-US" dirty="0">
+                <a:solidFill>
+                  <a:srgbClr val="008013"/>
+                </a:solidFill>
+                <a:latin typeface="나눔고딕 Light" panose="020D0904000000000000" pitchFamily="50" charset="-127"/>
+                <a:ea typeface="나눔고딕 Light" panose="020D0904000000000000" pitchFamily="50" charset="-127"/>
+              </a:rPr>
+              <a:t>명령어 그룹 </a:t>
+            </a:r>
+            <a:r>
+              <a:rPr lang="en-US" altLang="ko-KR" dirty="0">
+                <a:solidFill>
+                  <a:srgbClr val="008013"/>
+                </a:solidFill>
+                <a:latin typeface="나눔고딕 Light" panose="020D0904000000000000" pitchFamily="50" charset="-127"/>
+                <a:ea typeface="나눔고딕 Light" panose="020D0904000000000000" pitchFamily="50" charset="-127"/>
+              </a:rPr>
+              <a:t>1</a:t>
+            </a:r>
+            <a:endParaRPr lang="en-US" b="0" i="0" dirty="0">
+              <a:effectLst/>
+              <a:latin typeface="나눔고딕 Light" panose="020D0904000000000000" pitchFamily="50" charset="-127"/>
+              <a:ea typeface="나눔고딕 Light" panose="020D0904000000000000" pitchFamily="50" charset="-127"/>
+            </a:endParaRPr>
+          </a:p>
+          <a:p>
+            <a:r>
+              <a:rPr lang="en-US" b="0" i="0" dirty="0">
+                <a:solidFill>
+                  <a:srgbClr val="0E00FF"/>
+                </a:solidFill>
+                <a:effectLst/>
+                <a:latin typeface="나눔고딕 Light" panose="020D0904000000000000" pitchFamily="50" charset="-127"/>
+                <a:ea typeface="나눔고딕 Light" panose="020D0904000000000000" pitchFamily="50" charset="-127"/>
+              </a:rPr>
+              <a:t>     ...</a:t>
+            </a:r>
+          </a:p>
+          <a:p>
+            <a:r>
+              <a:rPr lang="en-US" dirty="0">
+                <a:solidFill>
+                  <a:srgbClr val="0E00FF"/>
+                </a:solidFill>
+                <a:latin typeface="나눔고딕 Light" panose="020D0904000000000000" pitchFamily="50" charset="-127"/>
+                <a:ea typeface="나눔고딕 Light" panose="020D0904000000000000" pitchFamily="50" charset="-127"/>
+              </a:rPr>
+              <a:t>elseif </a:t>
+            </a:r>
+            <a:r>
+              <a:rPr lang="en-US" dirty="0">
+                <a:solidFill>
+                  <a:sysClr val="windowText" lastClr="000000"/>
+                </a:solidFill>
+                <a:latin typeface="나눔고딕 Light" panose="020D0904000000000000" pitchFamily="50" charset="-127"/>
+                <a:ea typeface="나눔고딕 Light" panose="020D0904000000000000" pitchFamily="50" charset="-127"/>
+              </a:rPr>
+              <a:t>(condition)</a:t>
+            </a:r>
+          </a:p>
+          <a:p>
+            <a:r>
+              <a:rPr lang="en-US" dirty="0">
+                <a:solidFill>
+                  <a:srgbClr val="0E00FF"/>
+                </a:solidFill>
+                <a:latin typeface="나눔고딕 Light" panose="020D0904000000000000" pitchFamily="50" charset="-127"/>
+                <a:ea typeface="나눔고딕 Light" panose="020D0904000000000000" pitchFamily="50" charset="-127"/>
+              </a:rPr>
+              <a:t>     </a:t>
+            </a:r>
+            <a:r>
+              <a:rPr lang="en-US" b="0" i="0" dirty="0">
+                <a:solidFill>
+                  <a:srgbClr val="0E00FF"/>
+                </a:solidFill>
+                <a:effectLst/>
+                <a:latin typeface="나눔고딕 Light" panose="020D0904000000000000" pitchFamily="50" charset="-127"/>
+                <a:ea typeface="나눔고딕 Light" panose="020D0904000000000000" pitchFamily="50" charset="-127"/>
+              </a:rPr>
+              <a:t>...</a:t>
+            </a:r>
+            <a:endParaRPr lang="en-US" b="0" i="0" dirty="0">
+              <a:effectLst/>
+              <a:latin typeface="나눔고딕 Light" panose="020D0904000000000000" pitchFamily="50" charset="-127"/>
+              <a:ea typeface="나눔고딕 Light" panose="020D0904000000000000" pitchFamily="50" charset="-127"/>
+            </a:endParaRPr>
+          </a:p>
+          <a:p>
+            <a:r>
+              <a:rPr lang="en-US" b="0" i="0" dirty="0">
+                <a:solidFill>
+                  <a:srgbClr val="0E00FF"/>
+                </a:solidFill>
+                <a:effectLst/>
+                <a:latin typeface="나눔고딕 Light" panose="020D0904000000000000" pitchFamily="50" charset="-127"/>
+                <a:ea typeface="나눔고딕 Light" panose="020D0904000000000000" pitchFamily="50" charset="-127"/>
+              </a:rPr>
+              <a:t>     ...</a:t>
+            </a:r>
+            <a:r>
+              <a:rPr lang="en-US" b="0" i="0" dirty="0">
+                <a:solidFill>
+                  <a:srgbClr val="008013"/>
+                </a:solidFill>
+                <a:effectLst/>
+                <a:latin typeface="나눔고딕 Light" panose="020D0904000000000000" pitchFamily="50" charset="-127"/>
+                <a:ea typeface="나눔고딕 Light" panose="020D0904000000000000" pitchFamily="50" charset="-127"/>
+              </a:rPr>
+              <a:t> % </a:t>
+            </a:r>
+            <a:r>
+              <a:rPr lang="ko-KR" altLang="en-US" b="0" i="0" dirty="0">
+                <a:solidFill>
+                  <a:srgbClr val="008013"/>
+                </a:solidFill>
+                <a:effectLst/>
+                <a:latin typeface="나눔고딕 Light" panose="020D0904000000000000" pitchFamily="50" charset="-127"/>
+                <a:ea typeface="나눔고딕 Light" panose="020D0904000000000000" pitchFamily="50" charset="-127"/>
+              </a:rPr>
+              <a:t>명령어 그룹 </a:t>
+            </a:r>
+            <a:r>
+              <a:rPr lang="en-US" altLang="ko-KR" b="0" i="0" dirty="0">
+                <a:solidFill>
+                  <a:srgbClr val="008013"/>
+                </a:solidFill>
+                <a:effectLst/>
+                <a:latin typeface="나눔고딕 Light" panose="020D0904000000000000" pitchFamily="50" charset="-127"/>
+                <a:ea typeface="나눔고딕 Light" panose="020D0904000000000000" pitchFamily="50" charset="-127"/>
+              </a:rPr>
+              <a:t>2</a:t>
+            </a:r>
+            <a:endParaRPr lang="en-US" b="0" i="0" dirty="0">
+              <a:effectLst/>
+              <a:latin typeface="나눔고딕 Light" panose="020D0904000000000000" pitchFamily="50" charset="-127"/>
+              <a:ea typeface="나눔고딕 Light" panose="020D0904000000000000" pitchFamily="50" charset="-127"/>
+            </a:endParaRPr>
+          </a:p>
+          <a:p>
+            <a:r>
+              <a:rPr lang="en-US" b="0" i="0" dirty="0">
+                <a:solidFill>
+                  <a:srgbClr val="0E00FF"/>
+                </a:solidFill>
+                <a:effectLst/>
+                <a:latin typeface="나눔고딕 Light" panose="020D0904000000000000" pitchFamily="50" charset="-127"/>
+                <a:ea typeface="나눔고딕 Light" panose="020D0904000000000000" pitchFamily="50" charset="-127"/>
+              </a:rPr>
+              <a:t>     ...</a:t>
+            </a:r>
+            <a:endParaRPr lang="en-US" b="0" i="0" dirty="0">
+              <a:effectLst/>
+              <a:latin typeface="나눔고딕 Light" panose="020D0904000000000000" pitchFamily="50" charset="-127"/>
+              <a:ea typeface="나눔고딕 Light" panose="020D0904000000000000" pitchFamily="50" charset="-127"/>
+            </a:endParaRPr>
+          </a:p>
+          <a:p>
+            <a:r>
+              <a:rPr lang="en-US" b="0" i="0" dirty="0">
+                <a:solidFill>
+                  <a:srgbClr val="0E00FF"/>
+                </a:solidFill>
+                <a:effectLst/>
+                <a:latin typeface="나눔고딕 Light" panose="020D0904000000000000" pitchFamily="50" charset="-127"/>
+                <a:ea typeface="나눔고딕 Light" panose="020D0904000000000000" pitchFamily="50" charset="-127"/>
+              </a:rPr>
+              <a:t>else</a:t>
+            </a:r>
+          </a:p>
+          <a:p>
+            <a:r>
+              <a:rPr lang="en-US" dirty="0">
+                <a:solidFill>
+                  <a:srgbClr val="0E00FF"/>
+                </a:solidFill>
+                <a:latin typeface="나눔고딕 Light" panose="020D0904000000000000" pitchFamily="50" charset="-127"/>
+                <a:ea typeface="나눔고딕 Light" panose="020D0904000000000000" pitchFamily="50" charset="-127"/>
+              </a:rPr>
+              <a:t>     </a:t>
+            </a:r>
+            <a:r>
+              <a:rPr lang="en-US" b="0" i="0" dirty="0">
+                <a:solidFill>
+                  <a:srgbClr val="0E00FF"/>
+                </a:solidFill>
+                <a:effectLst/>
+                <a:latin typeface="나눔고딕 Light" panose="020D0904000000000000" pitchFamily="50" charset="-127"/>
+                <a:ea typeface="나눔고딕 Light" panose="020D0904000000000000" pitchFamily="50" charset="-127"/>
+              </a:rPr>
+              <a:t>...</a:t>
+            </a:r>
+            <a:endParaRPr lang="en-US" b="0" i="0" dirty="0">
+              <a:effectLst/>
+              <a:latin typeface="나눔고딕 Light" panose="020D0904000000000000" pitchFamily="50" charset="-127"/>
+              <a:ea typeface="나눔고딕 Light" panose="020D0904000000000000" pitchFamily="50" charset="-127"/>
+            </a:endParaRPr>
+          </a:p>
+          <a:p>
+            <a:r>
+              <a:rPr lang="en-US" b="0" i="0" dirty="0">
+                <a:solidFill>
+                  <a:srgbClr val="0E00FF"/>
+                </a:solidFill>
+                <a:effectLst/>
+                <a:latin typeface="나눔고딕 Light" panose="020D0904000000000000" pitchFamily="50" charset="-127"/>
+                <a:ea typeface="나눔고딕 Light" panose="020D0904000000000000" pitchFamily="50" charset="-127"/>
+              </a:rPr>
+              <a:t>     ...</a:t>
+            </a:r>
+            <a:r>
+              <a:rPr lang="en-US" b="0" i="0" dirty="0">
+                <a:solidFill>
+                  <a:srgbClr val="008013"/>
+                </a:solidFill>
+                <a:effectLst/>
+                <a:latin typeface="나눔고딕 Light" panose="020D0904000000000000" pitchFamily="50" charset="-127"/>
+                <a:ea typeface="나눔고딕 Light" panose="020D0904000000000000" pitchFamily="50" charset="-127"/>
+              </a:rPr>
+              <a:t> % </a:t>
+            </a:r>
+            <a:r>
+              <a:rPr lang="ko-KR" altLang="en-US" b="0" i="0" dirty="0">
+                <a:solidFill>
+                  <a:srgbClr val="008013"/>
+                </a:solidFill>
+                <a:effectLst/>
+                <a:latin typeface="나눔고딕 Light" panose="020D0904000000000000" pitchFamily="50" charset="-127"/>
+                <a:ea typeface="나눔고딕 Light" panose="020D0904000000000000" pitchFamily="50" charset="-127"/>
+              </a:rPr>
+              <a:t>명령어 그룹 </a:t>
+            </a:r>
+            <a:r>
+              <a:rPr lang="en-US" altLang="ko-KR" b="0" i="0" dirty="0">
+                <a:solidFill>
+                  <a:srgbClr val="008013"/>
+                </a:solidFill>
+                <a:effectLst/>
+                <a:latin typeface="나눔고딕 Light" panose="020D0904000000000000" pitchFamily="50" charset="-127"/>
+                <a:ea typeface="나눔고딕 Light" panose="020D0904000000000000" pitchFamily="50" charset="-127"/>
+              </a:rPr>
+              <a:t>3</a:t>
+            </a:r>
+            <a:endParaRPr lang="en-US" b="0" i="0" dirty="0">
+              <a:effectLst/>
+              <a:latin typeface="나눔고딕 Light" panose="020D0904000000000000" pitchFamily="50" charset="-127"/>
+              <a:ea typeface="나눔고딕 Light" panose="020D0904000000000000" pitchFamily="50" charset="-127"/>
+            </a:endParaRPr>
+          </a:p>
+          <a:p>
+            <a:r>
+              <a:rPr lang="en-US" b="0" i="0" dirty="0">
+                <a:solidFill>
+                  <a:srgbClr val="0E00FF"/>
+                </a:solidFill>
+                <a:effectLst/>
+                <a:latin typeface="나눔고딕 Light" panose="020D0904000000000000" pitchFamily="50" charset="-127"/>
+                <a:ea typeface="나눔고딕 Light" panose="020D0904000000000000" pitchFamily="50" charset="-127"/>
+              </a:rPr>
+              <a:t>     ...</a:t>
+            </a:r>
+          </a:p>
+          <a:p>
+            <a:r>
+              <a:rPr lang="en-US" b="0" i="0" dirty="0">
+                <a:solidFill>
+                  <a:srgbClr val="0E00FF"/>
+                </a:solidFill>
+                <a:effectLst/>
+                <a:latin typeface="나눔고딕 Light" panose="020D0904000000000000" pitchFamily="50" charset="-127"/>
+                <a:ea typeface="나눔고딕 Light" panose="020D0904000000000000" pitchFamily="50" charset="-127"/>
+              </a:rPr>
+              <a:t>end</a:t>
+            </a:r>
+            <a:endParaRPr lang="en-US" b="0" i="0" dirty="0">
+              <a:effectLst/>
+              <a:latin typeface="나눔고딕 Light" panose="020D0904000000000000" pitchFamily="50" charset="-127"/>
+              <a:ea typeface="나눔고딕 Light" panose="020D0904000000000000" pitchFamily="50" charset="-127"/>
+            </a:endParaRPr>
+          </a:p>
+          <a:p>
+            <a:r>
+              <a:rPr lang="en-US" b="0" i="0" dirty="0">
+                <a:solidFill>
+                  <a:srgbClr val="0E00FF"/>
+                </a:solidFill>
+                <a:effectLst/>
+                <a:latin typeface="나눔고딕 Light" panose="020D0904000000000000" pitchFamily="50" charset="-127"/>
+                <a:ea typeface="나눔고딕 Light" panose="020D0904000000000000" pitchFamily="50" charset="-127"/>
+              </a:rPr>
+              <a:t>...</a:t>
+            </a:r>
+            <a:endParaRPr lang="en-US" b="0" i="0" dirty="0">
+              <a:effectLst/>
+              <a:latin typeface="나눔고딕 Light" panose="020D0904000000000000" pitchFamily="50" charset="-127"/>
+              <a:ea typeface="나눔고딕 Light" panose="020D0904000000000000" pitchFamily="50" charset="-127"/>
+            </a:endParaRPr>
+          </a:p>
+          <a:p>
+            <a:r>
+              <a:rPr lang="en-US" b="0" i="0" dirty="0">
+                <a:solidFill>
+                  <a:srgbClr val="0E00FF"/>
+                </a:solidFill>
+                <a:effectLst/>
+                <a:latin typeface="나눔고딕 Light" panose="020D0904000000000000" pitchFamily="50" charset="-127"/>
+                <a:ea typeface="나눔고딕 Light" panose="020D0904000000000000" pitchFamily="50" charset="-127"/>
+              </a:rPr>
+              <a:t>...</a:t>
+            </a:r>
+            <a:r>
+              <a:rPr lang="en-US" b="0" i="0" dirty="0">
+                <a:solidFill>
+                  <a:srgbClr val="008013"/>
+                </a:solidFill>
+                <a:effectLst/>
+                <a:latin typeface="나눔고딕 Light" panose="020D0904000000000000" pitchFamily="50" charset="-127"/>
+                <a:ea typeface="나눔고딕 Light" panose="020D0904000000000000" pitchFamily="50" charset="-127"/>
+              </a:rPr>
+              <a:t> % if-elseif-else-end </a:t>
+            </a:r>
+            <a:r>
+              <a:rPr lang="ko-KR" altLang="en-US" b="0" i="0" dirty="0">
+                <a:solidFill>
+                  <a:srgbClr val="008013"/>
+                </a:solidFill>
+                <a:effectLst/>
+                <a:latin typeface="나눔고딕 Light" panose="020D0904000000000000" pitchFamily="50" charset="-127"/>
+                <a:ea typeface="나눔고딕 Light" panose="020D0904000000000000" pitchFamily="50" charset="-127"/>
+              </a:rPr>
+              <a:t>이후 명령어</a:t>
+            </a:r>
+            <a:endParaRPr lang="en-US" b="0" i="0" dirty="0">
+              <a:effectLst/>
+              <a:latin typeface="나눔고딕 Light" panose="020D0904000000000000" pitchFamily="50" charset="-127"/>
+              <a:ea typeface="나눔고딕 Light" panose="020D0904000000000000" pitchFamily="50" charset="-127"/>
+            </a:endParaRPr>
+          </a:p>
+          <a:p>
+            <a:r>
+              <a:rPr lang="en-US" b="0" i="0" dirty="0">
+                <a:solidFill>
+                  <a:srgbClr val="0E00FF"/>
+                </a:solidFill>
+                <a:effectLst/>
+                <a:latin typeface="나눔고딕 Light" panose="020D0904000000000000" pitchFamily="50" charset="-127"/>
+                <a:ea typeface="나눔고딕 Light" panose="020D0904000000000000" pitchFamily="50" charset="-127"/>
+              </a:rPr>
+              <a:t>...</a:t>
+            </a:r>
+            <a:endParaRPr lang="en-US" b="0" i="0" dirty="0">
+              <a:effectLst/>
+              <a:latin typeface="나눔고딕 Light" panose="020D0904000000000000" pitchFamily="50" charset="-127"/>
+              <a:ea typeface="나눔고딕 Light" panose="020D0904000000000000" pitchFamily="50" charset="-127"/>
+            </a:endParaRPr>
+          </a:p>
+        </p:txBody>
+      </p:sp>
+      <p:grpSp>
+        <p:nvGrpSpPr>
+          <p:cNvPr id="43" name="Group 42">
+            <a:extLst>
+              <a:ext uri="{FF2B5EF4-FFF2-40B4-BE49-F238E27FC236}">
+                <a16:creationId xmlns:a16="http://schemas.microsoft.com/office/drawing/2014/main" id="{F9A8899D-E47E-2E5A-7845-3615A9CC384F}"/>
+              </a:ext>
+            </a:extLst>
+          </p:cNvPr>
+          <p:cNvGrpSpPr/>
+          <p:nvPr/>
+        </p:nvGrpSpPr>
+        <p:grpSpPr>
+          <a:xfrm>
+            <a:off x="634523" y="246778"/>
+            <a:ext cx="6293255" cy="6364445"/>
+            <a:chOff x="415448" y="182992"/>
+            <a:chExt cx="6293255" cy="6364445"/>
+          </a:xfrm>
+        </p:grpSpPr>
+        <p:sp>
+          <p:nvSpPr>
+            <p:cNvPr id="4" name="Flowchart: Decision 3">
+              <a:extLst>
+                <a:ext uri="{FF2B5EF4-FFF2-40B4-BE49-F238E27FC236}">
+                  <a16:creationId xmlns:a16="http://schemas.microsoft.com/office/drawing/2014/main" id="{7969B371-7B31-CD21-1F91-E1DE6AA19978}"/>
+                </a:ext>
+              </a:extLst>
+            </p:cNvPr>
+            <p:cNvSpPr/>
+            <p:nvPr/>
+          </p:nvSpPr>
+          <p:spPr>
+            <a:xfrm>
+              <a:off x="4908703" y="729837"/>
+              <a:ext cx="1800000" cy="1800000"/>
+            </a:xfrm>
+            <a:prstGeom prst="flowChartDecision">
+              <a:avLst/>
+            </a:prstGeom>
+            <a:solidFill>
+              <a:schemeClr val="bg1"/>
+            </a:solidFill>
+            <a:ln>
+              <a:solidFill>
+                <a:schemeClr val="tx1"/>
+              </a:solidFill>
+            </a:ln>
+          </p:spPr>
+          <p:style>
+            <a:lnRef idx="2">
+              <a:schemeClr val="accent1">
+                <a:shade val="50000"/>
+              </a:schemeClr>
+            </a:lnRef>
+            <a:fillRef idx="1">
+              <a:schemeClr val="accent1"/>
+            </a:fillRef>
+            <a:effectRef idx="0">
+              <a:schemeClr val="accent1"/>
+            </a:effectRef>
+            <a:fontRef idx="minor">
+              <a:schemeClr val="lt1"/>
+            </a:fontRef>
+          </p:style>
+          <p:txBody>
+            <a:bodyPr rtlCol="0" anchor="ctr"/>
+            <a:lstStyle/>
+            <a:p>
+              <a:pPr algn="ctr"/>
+              <a:endParaRPr lang="en-US" dirty="0">
+                <a:latin typeface="나눔고딕 Light" panose="020D0904000000000000" pitchFamily="50" charset="-127"/>
+                <a:ea typeface="나눔고딕 Light" panose="020D0904000000000000" pitchFamily="50" charset="-127"/>
+              </a:endParaRPr>
+            </a:p>
+          </p:txBody>
+        </p:sp>
+        <p:cxnSp>
+          <p:nvCxnSpPr>
+            <p:cNvPr id="6" name="Straight Arrow Connector 5">
+              <a:extLst>
+                <a:ext uri="{FF2B5EF4-FFF2-40B4-BE49-F238E27FC236}">
+                  <a16:creationId xmlns:a16="http://schemas.microsoft.com/office/drawing/2014/main" id="{8488C4F2-15D0-751C-7ACE-EF8C13E244FA}"/>
+                </a:ext>
+              </a:extLst>
+            </p:cNvPr>
+            <p:cNvCxnSpPr/>
+            <p:nvPr/>
+          </p:nvCxnSpPr>
+          <p:spPr>
+            <a:xfrm>
+              <a:off x="5808703" y="182992"/>
+              <a:ext cx="0" cy="546845"/>
+            </a:xfrm>
+            <a:prstGeom prst="straightConnector1">
+              <a:avLst/>
+            </a:prstGeom>
+            <a:ln>
+              <a:tailEnd type="triangle"/>
+            </a:ln>
+          </p:spPr>
+          <p:style>
+            <a:lnRef idx="1">
+              <a:schemeClr val="dk1"/>
+            </a:lnRef>
+            <a:fillRef idx="0">
+              <a:schemeClr val="dk1"/>
+            </a:fillRef>
+            <a:effectRef idx="0">
+              <a:schemeClr val="dk1"/>
+            </a:effectRef>
+            <a:fontRef idx="minor">
+              <a:schemeClr val="tx1"/>
+            </a:fontRef>
+          </p:style>
+        </p:cxnSp>
+        <p:cxnSp>
+          <p:nvCxnSpPr>
+            <p:cNvPr id="7" name="Straight Arrow Connector 6">
+              <a:extLst>
+                <a:ext uri="{FF2B5EF4-FFF2-40B4-BE49-F238E27FC236}">
+                  <a16:creationId xmlns:a16="http://schemas.microsoft.com/office/drawing/2014/main" id="{B07B2384-49D0-E57B-ECF4-D6D27262E637}"/>
+                </a:ext>
+              </a:extLst>
+            </p:cNvPr>
+            <p:cNvCxnSpPr/>
+            <p:nvPr/>
+          </p:nvCxnSpPr>
+          <p:spPr>
+            <a:xfrm>
+              <a:off x="5808703" y="2529837"/>
+              <a:ext cx="0" cy="546845"/>
+            </a:xfrm>
+            <a:prstGeom prst="straightConnector1">
+              <a:avLst/>
+            </a:prstGeom>
+            <a:ln>
+              <a:tailEnd type="triangle"/>
+            </a:ln>
+          </p:spPr>
+          <p:style>
+            <a:lnRef idx="1">
+              <a:schemeClr val="dk1"/>
+            </a:lnRef>
+            <a:fillRef idx="0">
+              <a:schemeClr val="dk1"/>
+            </a:fillRef>
+            <a:effectRef idx="0">
+              <a:schemeClr val="dk1"/>
+            </a:effectRef>
+            <a:fontRef idx="minor">
+              <a:schemeClr val="tx1"/>
+            </a:fontRef>
+          </p:style>
+        </p:cxnSp>
+        <p:sp>
+          <p:nvSpPr>
+            <p:cNvPr id="9" name="Flowchart: Process 8">
+              <a:extLst>
+                <a:ext uri="{FF2B5EF4-FFF2-40B4-BE49-F238E27FC236}">
+                  <a16:creationId xmlns:a16="http://schemas.microsoft.com/office/drawing/2014/main" id="{F9BF23D9-3BCE-8BB9-8159-C222FB544012}"/>
+                </a:ext>
+              </a:extLst>
+            </p:cNvPr>
+            <p:cNvSpPr/>
+            <p:nvPr/>
+          </p:nvSpPr>
+          <p:spPr>
+            <a:xfrm>
+              <a:off x="4908706" y="3076682"/>
+              <a:ext cx="1799994" cy="612648"/>
+            </a:xfrm>
+            <a:prstGeom prst="flowChartProcess">
+              <a:avLst/>
+            </a:prstGeom>
+            <a:solidFill>
+              <a:schemeClr val="bg1"/>
+            </a:solidFill>
+            <a:ln>
+              <a:solidFill>
+                <a:schemeClr val="tx1"/>
+              </a:solidFill>
+            </a:ln>
+          </p:spPr>
+          <p:style>
+            <a:lnRef idx="2">
+              <a:schemeClr val="accent1">
+                <a:shade val="50000"/>
+              </a:schemeClr>
+            </a:lnRef>
+            <a:fillRef idx="1">
+              <a:schemeClr val="accent1"/>
+            </a:fillRef>
+            <a:effectRef idx="0">
+              <a:schemeClr val="accent1"/>
+            </a:effectRef>
+            <a:fontRef idx="minor">
+              <a:schemeClr val="lt1"/>
+            </a:fontRef>
+          </p:style>
+          <p:txBody>
+            <a:bodyPr rtlCol="0" anchor="ctr"/>
+            <a:lstStyle/>
+            <a:p>
+              <a:pPr algn="ctr"/>
+              <a:endParaRPr lang="en-US">
+                <a:latin typeface="나눔고딕 Light" panose="020D0904000000000000" pitchFamily="50" charset="-127"/>
+                <a:ea typeface="나눔고딕 Light" panose="020D0904000000000000" pitchFamily="50" charset="-127"/>
+              </a:endParaRPr>
+            </a:p>
+          </p:txBody>
+        </p:sp>
+        <p:cxnSp>
+          <p:nvCxnSpPr>
+            <p:cNvPr id="10" name="Straight Arrow Connector 9">
+              <a:extLst>
+                <a:ext uri="{FF2B5EF4-FFF2-40B4-BE49-F238E27FC236}">
+                  <a16:creationId xmlns:a16="http://schemas.microsoft.com/office/drawing/2014/main" id="{47F7CEC7-79CA-C681-B055-108D7F4A86BF}"/>
+                </a:ext>
+              </a:extLst>
+            </p:cNvPr>
+            <p:cNvCxnSpPr>
+              <a:cxnSpLocks/>
+            </p:cNvCxnSpPr>
+            <p:nvPr/>
+          </p:nvCxnSpPr>
+          <p:spPr>
+            <a:xfrm>
+              <a:off x="5808703" y="3689330"/>
+              <a:ext cx="0" cy="2063841"/>
+            </a:xfrm>
+            <a:prstGeom prst="straightConnector1">
+              <a:avLst/>
+            </a:prstGeom>
+            <a:ln>
+              <a:tailEnd type="triangle"/>
+            </a:ln>
+          </p:spPr>
+          <p:style>
+            <a:lnRef idx="1">
+              <a:schemeClr val="dk1"/>
+            </a:lnRef>
+            <a:fillRef idx="0">
+              <a:schemeClr val="dk1"/>
+            </a:fillRef>
+            <a:effectRef idx="0">
+              <a:schemeClr val="dk1"/>
+            </a:effectRef>
+            <a:fontRef idx="minor">
+              <a:schemeClr val="tx1"/>
+            </a:fontRef>
+          </p:style>
+        </p:cxnSp>
+        <p:cxnSp>
+          <p:nvCxnSpPr>
+            <p:cNvPr id="18" name="Straight Connector 17">
+              <a:extLst>
+                <a:ext uri="{FF2B5EF4-FFF2-40B4-BE49-F238E27FC236}">
+                  <a16:creationId xmlns:a16="http://schemas.microsoft.com/office/drawing/2014/main" id="{1FD2D126-FBB6-3219-7A15-1C35BF254CF1}"/>
+                </a:ext>
+              </a:extLst>
+            </p:cNvPr>
+            <p:cNvCxnSpPr>
+              <a:cxnSpLocks/>
+            </p:cNvCxnSpPr>
+            <p:nvPr/>
+          </p:nvCxnSpPr>
+          <p:spPr>
+            <a:xfrm>
+              <a:off x="3562074" y="1626310"/>
+              <a:ext cx="1346629" cy="0"/>
+            </a:xfrm>
+            <a:prstGeom prst="line">
+              <a:avLst/>
+            </a:prstGeom>
+          </p:spPr>
+          <p:style>
+            <a:lnRef idx="1">
+              <a:schemeClr val="dk1"/>
+            </a:lnRef>
+            <a:fillRef idx="0">
+              <a:schemeClr val="dk1"/>
+            </a:fillRef>
+            <a:effectRef idx="0">
+              <a:schemeClr val="dk1"/>
+            </a:effectRef>
+            <a:fontRef idx="minor">
+              <a:schemeClr val="tx1"/>
+            </a:fontRef>
+          </p:style>
+        </p:cxnSp>
+        <p:sp>
+          <p:nvSpPr>
+            <p:cNvPr id="22" name="TextBox 21">
+              <a:extLst>
+                <a:ext uri="{FF2B5EF4-FFF2-40B4-BE49-F238E27FC236}">
+                  <a16:creationId xmlns:a16="http://schemas.microsoft.com/office/drawing/2014/main" id="{FFB9FD6C-D019-F5AE-ADBF-A535712A3FF3}"/>
+                </a:ext>
+              </a:extLst>
+            </p:cNvPr>
+            <p:cNvSpPr txBox="1"/>
+            <p:nvPr/>
+          </p:nvSpPr>
+          <p:spPr>
+            <a:xfrm>
+              <a:off x="5646639" y="1437984"/>
+              <a:ext cx="324128" cy="369332"/>
+            </a:xfrm>
+            <a:prstGeom prst="rect">
+              <a:avLst/>
+            </a:prstGeom>
+            <a:noFill/>
+          </p:spPr>
+          <p:txBody>
+            <a:bodyPr wrap="none" rtlCol="0">
+              <a:spAutoFit/>
+            </a:bodyPr>
+            <a:lstStyle/>
+            <a:p>
+              <a:pPr algn="ctr"/>
+              <a:r>
+                <a:rPr lang="en-US" dirty="0">
+                  <a:latin typeface="나눔고딕 Light" panose="020D0904000000000000" pitchFamily="50" charset="-127"/>
+                  <a:ea typeface="나눔고딕 Light" panose="020D0904000000000000" pitchFamily="50" charset="-127"/>
+                </a:rPr>
+                <a:t>if</a:t>
+              </a:r>
+            </a:p>
+          </p:txBody>
+        </p:sp>
+        <p:sp>
+          <p:nvSpPr>
+            <p:cNvPr id="23" name="TextBox 22">
+              <a:extLst>
+                <a:ext uri="{FF2B5EF4-FFF2-40B4-BE49-F238E27FC236}">
+                  <a16:creationId xmlns:a16="http://schemas.microsoft.com/office/drawing/2014/main" id="{925CF4CE-0A28-1D1D-2F36-9BA20D9BE8F8}"/>
+                </a:ext>
+              </a:extLst>
+            </p:cNvPr>
+            <p:cNvSpPr txBox="1"/>
+            <p:nvPr/>
+          </p:nvSpPr>
+          <p:spPr>
+            <a:xfrm>
+              <a:off x="3993282" y="1260505"/>
+              <a:ext cx="671979" cy="369332"/>
+            </a:xfrm>
+            <a:prstGeom prst="rect">
+              <a:avLst/>
+            </a:prstGeom>
+            <a:noFill/>
+          </p:spPr>
+          <p:txBody>
+            <a:bodyPr wrap="none" rtlCol="0">
+              <a:spAutoFit/>
+            </a:bodyPr>
+            <a:lstStyle/>
+            <a:p>
+              <a:r>
+                <a:rPr lang="en-US" dirty="0">
+                  <a:latin typeface="나눔고딕 Light" panose="020D0904000000000000" pitchFamily="50" charset="-127"/>
+                  <a:ea typeface="나눔고딕 Light" panose="020D0904000000000000" pitchFamily="50" charset="-127"/>
+                </a:rPr>
+                <a:t>false</a:t>
+              </a:r>
+            </a:p>
+          </p:txBody>
+        </p:sp>
+        <p:sp>
+          <p:nvSpPr>
+            <p:cNvPr id="24" name="TextBox 23">
+              <a:extLst>
+                <a:ext uri="{FF2B5EF4-FFF2-40B4-BE49-F238E27FC236}">
+                  <a16:creationId xmlns:a16="http://schemas.microsoft.com/office/drawing/2014/main" id="{2D4284E6-B0F6-E1C6-8180-8EB9F3E36485}"/>
+                </a:ext>
+              </a:extLst>
+            </p:cNvPr>
+            <p:cNvSpPr txBox="1"/>
+            <p:nvPr/>
+          </p:nvSpPr>
+          <p:spPr>
+            <a:xfrm>
+              <a:off x="5798252" y="2585692"/>
+              <a:ext cx="615874" cy="369332"/>
+            </a:xfrm>
+            <a:prstGeom prst="rect">
+              <a:avLst/>
+            </a:prstGeom>
+            <a:noFill/>
+          </p:spPr>
+          <p:txBody>
+            <a:bodyPr wrap="none" rtlCol="0">
+              <a:spAutoFit/>
+            </a:bodyPr>
+            <a:lstStyle/>
+            <a:p>
+              <a:pPr algn="ctr"/>
+              <a:r>
+                <a:rPr lang="en-US" dirty="0">
+                  <a:latin typeface="나눔고딕 Light" panose="020D0904000000000000" pitchFamily="50" charset="-127"/>
+                  <a:ea typeface="나눔고딕 Light" panose="020D0904000000000000" pitchFamily="50" charset="-127"/>
+                </a:rPr>
+                <a:t>true</a:t>
+              </a:r>
+            </a:p>
+          </p:txBody>
+        </p:sp>
+        <p:sp>
+          <p:nvSpPr>
+            <p:cNvPr id="25" name="TextBox 24">
+              <a:extLst>
+                <a:ext uri="{FF2B5EF4-FFF2-40B4-BE49-F238E27FC236}">
+                  <a16:creationId xmlns:a16="http://schemas.microsoft.com/office/drawing/2014/main" id="{A402C74E-50BC-D574-4677-77F86E20DA74}"/>
+                </a:ext>
+              </a:extLst>
+            </p:cNvPr>
+            <p:cNvSpPr txBox="1"/>
+            <p:nvPr/>
+          </p:nvSpPr>
+          <p:spPr>
+            <a:xfrm>
+              <a:off x="5041513" y="3198156"/>
+              <a:ext cx="1534394" cy="369332"/>
+            </a:xfrm>
+            <a:prstGeom prst="rect">
+              <a:avLst/>
+            </a:prstGeom>
+            <a:noFill/>
+          </p:spPr>
+          <p:txBody>
+            <a:bodyPr wrap="none" rtlCol="0">
+              <a:spAutoFit/>
+            </a:bodyPr>
+            <a:lstStyle/>
+            <a:p>
+              <a:pPr algn="ctr"/>
+              <a:r>
+                <a:rPr lang="ko-KR" altLang="en-US" dirty="0">
+                  <a:latin typeface="나눔고딕 Light" panose="020D0904000000000000" pitchFamily="50" charset="-127"/>
+                  <a:ea typeface="나눔고딕 Light" panose="020D0904000000000000" pitchFamily="50" charset="-127"/>
+                </a:rPr>
+                <a:t>명령어 그룹 </a:t>
+              </a:r>
+              <a:r>
+                <a:rPr lang="en-US" altLang="ko-KR" dirty="0">
+                  <a:latin typeface="나눔고딕 Light" panose="020D0904000000000000" pitchFamily="50" charset="-127"/>
+                  <a:ea typeface="나눔고딕 Light" panose="020D0904000000000000" pitchFamily="50" charset="-127"/>
+                </a:rPr>
+                <a:t>1</a:t>
+              </a:r>
+            </a:p>
+          </p:txBody>
+        </p:sp>
+        <p:cxnSp>
+          <p:nvCxnSpPr>
+            <p:cNvPr id="26" name="Straight Arrow Connector 25">
+              <a:extLst>
+                <a:ext uri="{FF2B5EF4-FFF2-40B4-BE49-F238E27FC236}">
+                  <a16:creationId xmlns:a16="http://schemas.microsoft.com/office/drawing/2014/main" id="{9AC5084C-5AF3-A796-62FC-843AA3A17C58}"/>
+                </a:ext>
+              </a:extLst>
+            </p:cNvPr>
+            <p:cNvCxnSpPr/>
+            <p:nvPr/>
+          </p:nvCxnSpPr>
+          <p:spPr>
+            <a:xfrm>
+              <a:off x="5808703" y="6000592"/>
+              <a:ext cx="0" cy="546845"/>
+            </a:xfrm>
+            <a:prstGeom prst="straightConnector1">
+              <a:avLst/>
+            </a:prstGeom>
+            <a:ln>
+              <a:tailEnd type="triangle"/>
+            </a:ln>
+          </p:spPr>
+          <p:style>
+            <a:lnRef idx="1">
+              <a:schemeClr val="dk1"/>
+            </a:lnRef>
+            <a:fillRef idx="0">
+              <a:schemeClr val="dk1"/>
+            </a:fillRef>
+            <a:effectRef idx="0">
+              <a:schemeClr val="dk1"/>
+            </a:effectRef>
+            <a:fontRef idx="minor">
+              <a:schemeClr val="tx1"/>
+            </a:fontRef>
+          </p:style>
+        </p:cxnSp>
+        <p:sp>
+          <p:nvSpPr>
+            <p:cNvPr id="27" name="TextBox 26">
+              <a:extLst>
+                <a:ext uri="{FF2B5EF4-FFF2-40B4-BE49-F238E27FC236}">
+                  <a16:creationId xmlns:a16="http://schemas.microsoft.com/office/drawing/2014/main" id="{78B36068-0EB3-21D8-D080-8CA4AF828B4B}"/>
+                </a:ext>
+              </a:extLst>
+            </p:cNvPr>
+            <p:cNvSpPr txBox="1"/>
+            <p:nvPr/>
+          </p:nvSpPr>
+          <p:spPr>
+            <a:xfrm>
+              <a:off x="5743913" y="5662053"/>
+              <a:ext cx="588623" cy="369332"/>
+            </a:xfrm>
+            <a:prstGeom prst="rect">
+              <a:avLst/>
+            </a:prstGeom>
+            <a:noFill/>
+          </p:spPr>
+          <p:txBody>
+            <a:bodyPr wrap="none" rtlCol="0">
+              <a:spAutoFit/>
+            </a:bodyPr>
+            <a:lstStyle/>
+            <a:p>
+              <a:pPr algn="ctr"/>
+              <a:r>
+                <a:rPr lang="en-US" dirty="0">
+                  <a:latin typeface="나눔고딕 Light" panose="020D0904000000000000" pitchFamily="50" charset="-127"/>
+                  <a:ea typeface="나눔고딕 Light" panose="020D0904000000000000" pitchFamily="50" charset="-127"/>
+                </a:rPr>
+                <a:t>end</a:t>
+              </a:r>
+            </a:p>
+          </p:txBody>
+        </p:sp>
+        <p:sp>
+          <p:nvSpPr>
+            <p:cNvPr id="5" name="Flowchart: Decision 4">
+              <a:extLst>
+                <a:ext uri="{FF2B5EF4-FFF2-40B4-BE49-F238E27FC236}">
+                  <a16:creationId xmlns:a16="http://schemas.microsoft.com/office/drawing/2014/main" id="{544E1542-55A3-8ABB-25D2-EABF8456BC5C}"/>
+                </a:ext>
+              </a:extLst>
+            </p:cNvPr>
+            <p:cNvSpPr/>
+            <p:nvPr/>
+          </p:nvSpPr>
+          <p:spPr>
+            <a:xfrm>
+              <a:off x="2662074" y="2055024"/>
+              <a:ext cx="1800000" cy="1800000"/>
+            </a:xfrm>
+            <a:prstGeom prst="flowChartDecision">
+              <a:avLst/>
+            </a:prstGeom>
+            <a:solidFill>
+              <a:schemeClr val="bg1"/>
+            </a:solidFill>
+            <a:ln>
+              <a:solidFill>
+                <a:schemeClr val="tx1"/>
+              </a:solidFill>
+            </a:ln>
+          </p:spPr>
+          <p:style>
+            <a:lnRef idx="2">
+              <a:schemeClr val="accent1">
+                <a:shade val="50000"/>
+              </a:schemeClr>
+            </a:lnRef>
+            <a:fillRef idx="1">
+              <a:schemeClr val="accent1"/>
+            </a:fillRef>
+            <a:effectRef idx="0">
+              <a:schemeClr val="accent1"/>
+            </a:effectRef>
+            <a:fontRef idx="minor">
+              <a:schemeClr val="lt1"/>
+            </a:fontRef>
+          </p:style>
+          <p:txBody>
+            <a:bodyPr rtlCol="0" anchor="ctr"/>
+            <a:lstStyle/>
+            <a:p>
+              <a:pPr algn="ctr"/>
+              <a:endParaRPr lang="en-US" dirty="0">
+                <a:latin typeface="나눔고딕 Light" panose="020D0904000000000000" pitchFamily="50" charset="-127"/>
+                <a:ea typeface="나눔고딕 Light" panose="020D0904000000000000" pitchFamily="50" charset="-127"/>
+              </a:endParaRPr>
+            </a:p>
+          </p:txBody>
+        </p:sp>
+        <p:cxnSp>
+          <p:nvCxnSpPr>
+            <p:cNvPr id="8" name="Straight Arrow Connector 7">
+              <a:extLst>
+                <a:ext uri="{FF2B5EF4-FFF2-40B4-BE49-F238E27FC236}">
+                  <a16:creationId xmlns:a16="http://schemas.microsoft.com/office/drawing/2014/main" id="{79B3867C-C84E-C1B6-46E3-634669AEAFA8}"/>
+                </a:ext>
+              </a:extLst>
+            </p:cNvPr>
+            <p:cNvCxnSpPr/>
+            <p:nvPr/>
+          </p:nvCxnSpPr>
+          <p:spPr>
+            <a:xfrm>
+              <a:off x="3562074" y="3855024"/>
+              <a:ext cx="0" cy="546845"/>
+            </a:xfrm>
+            <a:prstGeom prst="straightConnector1">
+              <a:avLst/>
+            </a:prstGeom>
+            <a:ln>
+              <a:tailEnd type="triangle"/>
+            </a:ln>
+          </p:spPr>
+          <p:style>
+            <a:lnRef idx="1">
+              <a:schemeClr val="dk1"/>
+            </a:lnRef>
+            <a:fillRef idx="0">
+              <a:schemeClr val="dk1"/>
+            </a:fillRef>
+            <a:effectRef idx="0">
+              <a:schemeClr val="dk1"/>
+            </a:effectRef>
+            <a:fontRef idx="minor">
+              <a:schemeClr val="tx1"/>
+            </a:fontRef>
+          </p:style>
+        </p:cxnSp>
+        <p:sp>
+          <p:nvSpPr>
+            <p:cNvPr id="14" name="Flowchart: Process 13">
+              <a:extLst>
+                <a:ext uri="{FF2B5EF4-FFF2-40B4-BE49-F238E27FC236}">
+                  <a16:creationId xmlns:a16="http://schemas.microsoft.com/office/drawing/2014/main" id="{4E68E7DF-D9F2-E428-B2B8-D7DCC0F8963E}"/>
+                </a:ext>
+              </a:extLst>
+            </p:cNvPr>
+            <p:cNvSpPr/>
+            <p:nvPr/>
+          </p:nvSpPr>
+          <p:spPr>
+            <a:xfrm>
+              <a:off x="2662077" y="4401869"/>
+              <a:ext cx="1799994" cy="612648"/>
+            </a:xfrm>
+            <a:prstGeom prst="flowChartProcess">
+              <a:avLst/>
+            </a:prstGeom>
+            <a:solidFill>
+              <a:schemeClr val="bg1"/>
+            </a:solidFill>
+            <a:ln>
+              <a:solidFill>
+                <a:schemeClr val="tx1"/>
+              </a:solidFill>
+            </a:ln>
+          </p:spPr>
+          <p:style>
+            <a:lnRef idx="2">
+              <a:schemeClr val="accent1">
+                <a:shade val="50000"/>
+              </a:schemeClr>
+            </a:lnRef>
+            <a:fillRef idx="1">
+              <a:schemeClr val="accent1"/>
+            </a:fillRef>
+            <a:effectRef idx="0">
+              <a:schemeClr val="accent1"/>
+            </a:effectRef>
+            <a:fontRef idx="minor">
+              <a:schemeClr val="lt1"/>
+            </a:fontRef>
+          </p:style>
+          <p:txBody>
+            <a:bodyPr rtlCol="0" anchor="ctr"/>
+            <a:lstStyle/>
+            <a:p>
+              <a:pPr algn="ctr"/>
+              <a:endParaRPr lang="en-US">
+                <a:latin typeface="나눔고딕 Light" panose="020D0904000000000000" pitchFamily="50" charset="-127"/>
+                <a:ea typeface="나눔고딕 Light" panose="020D0904000000000000" pitchFamily="50" charset="-127"/>
+              </a:endParaRPr>
+            </a:p>
+          </p:txBody>
+        </p:sp>
+        <p:cxnSp>
+          <p:nvCxnSpPr>
+            <p:cNvPr id="15" name="Straight Connector 14">
+              <a:extLst>
+                <a:ext uri="{FF2B5EF4-FFF2-40B4-BE49-F238E27FC236}">
+                  <a16:creationId xmlns:a16="http://schemas.microsoft.com/office/drawing/2014/main" id="{86CA8C2A-D2C1-A460-DC12-5567754D4BE1}"/>
+                </a:ext>
+              </a:extLst>
+            </p:cNvPr>
+            <p:cNvCxnSpPr>
+              <a:cxnSpLocks/>
+            </p:cNvCxnSpPr>
+            <p:nvPr/>
+          </p:nvCxnSpPr>
+          <p:spPr>
+            <a:xfrm>
+              <a:off x="1315445" y="2951497"/>
+              <a:ext cx="1346629" cy="0"/>
+            </a:xfrm>
+            <a:prstGeom prst="line">
+              <a:avLst/>
+            </a:prstGeom>
+          </p:spPr>
+          <p:style>
+            <a:lnRef idx="1">
+              <a:schemeClr val="dk1"/>
+            </a:lnRef>
+            <a:fillRef idx="0">
+              <a:schemeClr val="dk1"/>
+            </a:fillRef>
+            <a:effectRef idx="0">
+              <a:schemeClr val="dk1"/>
+            </a:effectRef>
+            <a:fontRef idx="minor">
+              <a:schemeClr val="tx1"/>
+            </a:fontRef>
+          </p:style>
+        </p:cxnSp>
+        <p:sp>
+          <p:nvSpPr>
+            <p:cNvPr id="16" name="TextBox 15">
+              <a:extLst>
+                <a:ext uri="{FF2B5EF4-FFF2-40B4-BE49-F238E27FC236}">
+                  <a16:creationId xmlns:a16="http://schemas.microsoft.com/office/drawing/2014/main" id="{C342A650-4681-B412-7298-4B6BA15D555E}"/>
+                </a:ext>
+              </a:extLst>
+            </p:cNvPr>
+            <p:cNvSpPr txBox="1"/>
+            <p:nvPr/>
+          </p:nvSpPr>
+          <p:spPr>
+            <a:xfrm>
+              <a:off x="3165973" y="2763171"/>
+              <a:ext cx="792205" cy="369332"/>
+            </a:xfrm>
+            <a:prstGeom prst="rect">
+              <a:avLst/>
+            </a:prstGeom>
+            <a:noFill/>
+          </p:spPr>
+          <p:txBody>
+            <a:bodyPr wrap="none" rtlCol="0">
+              <a:spAutoFit/>
+            </a:bodyPr>
+            <a:lstStyle/>
+            <a:p>
+              <a:pPr algn="ctr"/>
+              <a:r>
+                <a:rPr lang="en-US" dirty="0">
+                  <a:latin typeface="나눔고딕 Light" panose="020D0904000000000000" pitchFamily="50" charset="-127"/>
+                  <a:ea typeface="나눔고딕 Light" panose="020D0904000000000000" pitchFamily="50" charset="-127"/>
+                </a:rPr>
+                <a:t>else if</a:t>
+              </a:r>
+            </a:p>
+          </p:txBody>
+        </p:sp>
+        <p:sp>
+          <p:nvSpPr>
+            <p:cNvPr id="17" name="TextBox 16">
+              <a:extLst>
+                <a:ext uri="{FF2B5EF4-FFF2-40B4-BE49-F238E27FC236}">
+                  <a16:creationId xmlns:a16="http://schemas.microsoft.com/office/drawing/2014/main" id="{EF31E2D1-3FF7-EB9E-48A3-824016ECE97E}"/>
+                </a:ext>
+              </a:extLst>
+            </p:cNvPr>
+            <p:cNvSpPr txBox="1"/>
+            <p:nvPr/>
+          </p:nvSpPr>
+          <p:spPr>
+            <a:xfrm>
+              <a:off x="1746653" y="2585692"/>
+              <a:ext cx="671979" cy="369332"/>
+            </a:xfrm>
+            <a:prstGeom prst="rect">
+              <a:avLst/>
+            </a:prstGeom>
+            <a:noFill/>
+          </p:spPr>
+          <p:txBody>
+            <a:bodyPr wrap="none" rtlCol="0">
+              <a:spAutoFit/>
+            </a:bodyPr>
+            <a:lstStyle/>
+            <a:p>
+              <a:r>
+                <a:rPr lang="en-US" dirty="0">
+                  <a:latin typeface="나눔고딕 Light" panose="020D0904000000000000" pitchFamily="50" charset="-127"/>
+                  <a:ea typeface="나눔고딕 Light" panose="020D0904000000000000" pitchFamily="50" charset="-127"/>
+                </a:rPr>
+                <a:t>false</a:t>
+              </a:r>
+            </a:p>
+          </p:txBody>
+        </p:sp>
+        <p:sp>
+          <p:nvSpPr>
+            <p:cNvPr id="19" name="TextBox 18">
+              <a:extLst>
+                <a:ext uri="{FF2B5EF4-FFF2-40B4-BE49-F238E27FC236}">
+                  <a16:creationId xmlns:a16="http://schemas.microsoft.com/office/drawing/2014/main" id="{5A6C090D-0D15-374A-621A-A345E78BF778}"/>
+                </a:ext>
+              </a:extLst>
+            </p:cNvPr>
+            <p:cNvSpPr txBox="1"/>
+            <p:nvPr/>
+          </p:nvSpPr>
+          <p:spPr>
+            <a:xfrm>
+              <a:off x="3551623" y="3910879"/>
+              <a:ext cx="615874" cy="369332"/>
+            </a:xfrm>
+            <a:prstGeom prst="rect">
+              <a:avLst/>
+            </a:prstGeom>
+            <a:noFill/>
+          </p:spPr>
+          <p:txBody>
+            <a:bodyPr wrap="none" rtlCol="0">
+              <a:spAutoFit/>
+            </a:bodyPr>
+            <a:lstStyle/>
+            <a:p>
+              <a:pPr algn="ctr"/>
+              <a:r>
+                <a:rPr lang="en-US" dirty="0">
+                  <a:latin typeface="나눔고딕 Light" panose="020D0904000000000000" pitchFamily="50" charset="-127"/>
+                  <a:ea typeface="나눔고딕 Light" panose="020D0904000000000000" pitchFamily="50" charset="-127"/>
+                </a:rPr>
+                <a:t>true</a:t>
+              </a:r>
+            </a:p>
+          </p:txBody>
+        </p:sp>
+        <p:sp>
+          <p:nvSpPr>
+            <p:cNvPr id="20" name="TextBox 19">
+              <a:extLst>
+                <a:ext uri="{FF2B5EF4-FFF2-40B4-BE49-F238E27FC236}">
+                  <a16:creationId xmlns:a16="http://schemas.microsoft.com/office/drawing/2014/main" id="{44537EE4-0A4D-3FE6-3B95-0B37340C5106}"/>
+                </a:ext>
+              </a:extLst>
+            </p:cNvPr>
+            <p:cNvSpPr txBox="1"/>
+            <p:nvPr/>
+          </p:nvSpPr>
+          <p:spPr>
+            <a:xfrm>
+              <a:off x="2794884" y="4523343"/>
+              <a:ext cx="1534394" cy="369332"/>
+            </a:xfrm>
+            <a:prstGeom prst="rect">
+              <a:avLst/>
+            </a:prstGeom>
+            <a:noFill/>
+          </p:spPr>
+          <p:txBody>
+            <a:bodyPr wrap="none" rtlCol="0">
+              <a:spAutoFit/>
+            </a:bodyPr>
+            <a:lstStyle/>
+            <a:p>
+              <a:pPr algn="ctr"/>
+              <a:r>
+                <a:rPr lang="ko-KR" altLang="en-US" dirty="0">
+                  <a:latin typeface="나눔고딕 Light" panose="020D0904000000000000" pitchFamily="50" charset="-127"/>
+                  <a:ea typeface="나눔고딕 Light" panose="020D0904000000000000" pitchFamily="50" charset="-127"/>
+                </a:rPr>
+                <a:t>명령어 그룹 </a:t>
+              </a:r>
+              <a:r>
+                <a:rPr lang="en-US" altLang="ko-KR" dirty="0">
+                  <a:latin typeface="나눔고딕 Light" panose="020D0904000000000000" pitchFamily="50" charset="-127"/>
+                  <a:ea typeface="나눔고딕 Light" panose="020D0904000000000000" pitchFamily="50" charset="-127"/>
+                </a:rPr>
+                <a:t>2</a:t>
+              </a:r>
+            </a:p>
+          </p:txBody>
+        </p:sp>
+        <p:sp>
+          <p:nvSpPr>
+            <p:cNvPr id="21" name="Flowchart: Process 20">
+              <a:extLst>
+                <a:ext uri="{FF2B5EF4-FFF2-40B4-BE49-F238E27FC236}">
+                  <a16:creationId xmlns:a16="http://schemas.microsoft.com/office/drawing/2014/main" id="{43AD0AC6-883E-4D82-B04E-1607B5D86B64}"/>
+                </a:ext>
+              </a:extLst>
+            </p:cNvPr>
+            <p:cNvSpPr/>
+            <p:nvPr/>
+          </p:nvSpPr>
+          <p:spPr>
+            <a:xfrm>
+              <a:off x="415448" y="4401869"/>
+              <a:ext cx="1799994" cy="612648"/>
+            </a:xfrm>
+            <a:prstGeom prst="flowChartProcess">
+              <a:avLst/>
+            </a:prstGeom>
+            <a:solidFill>
+              <a:schemeClr val="bg1"/>
+            </a:solidFill>
+            <a:ln>
+              <a:solidFill>
+                <a:schemeClr val="tx1"/>
+              </a:solidFill>
+            </a:ln>
+          </p:spPr>
+          <p:style>
+            <a:lnRef idx="2">
+              <a:schemeClr val="accent1">
+                <a:shade val="50000"/>
+              </a:schemeClr>
+            </a:lnRef>
+            <a:fillRef idx="1">
+              <a:schemeClr val="accent1"/>
+            </a:fillRef>
+            <a:effectRef idx="0">
+              <a:schemeClr val="accent1"/>
+            </a:effectRef>
+            <a:fontRef idx="minor">
+              <a:schemeClr val="lt1"/>
+            </a:fontRef>
+          </p:style>
+          <p:txBody>
+            <a:bodyPr rtlCol="0" anchor="ctr"/>
+            <a:lstStyle/>
+            <a:p>
+              <a:pPr algn="ctr"/>
+              <a:endParaRPr lang="en-US">
+                <a:latin typeface="나눔고딕 Light" panose="020D0904000000000000" pitchFamily="50" charset="-127"/>
+                <a:ea typeface="나눔고딕 Light" panose="020D0904000000000000" pitchFamily="50" charset="-127"/>
+              </a:endParaRPr>
+            </a:p>
+          </p:txBody>
+        </p:sp>
+        <p:cxnSp>
+          <p:nvCxnSpPr>
+            <p:cNvPr id="28" name="Straight Arrow Connector 27">
+              <a:extLst>
+                <a:ext uri="{FF2B5EF4-FFF2-40B4-BE49-F238E27FC236}">
+                  <a16:creationId xmlns:a16="http://schemas.microsoft.com/office/drawing/2014/main" id="{D641FCBD-AC32-BA1C-AB6F-653CAFD4EEBD}"/>
+                </a:ext>
+              </a:extLst>
+            </p:cNvPr>
+            <p:cNvCxnSpPr>
+              <a:cxnSpLocks/>
+            </p:cNvCxnSpPr>
+            <p:nvPr/>
+          </p:nvCxnSpPr>
+          <p:spPr>
+            <a:xfrm>
+              <a:off x="1315445" y="2949732"/>
+              <a:ext cx="0" cy="1454032"/>
+            </a:xfrm>
+            <a:prstGeom prst="straightConnector1">
+              <a:avLst/>
+            </a:prstGeom>
+            <a:ln>
+              <a:tailEnd type="triangle"/>
+            </a:ln>
+          </p:spPr>
+          <p:style>
+            <a:lnRef idx="1">
+              <a:schemeClr val="dk1"/>
+            </a:lnRef>
+            <a:fillRef idx="0">
+              <a:schemeClr val="dk1"/>
+            </a:fillRef>
+            <a:effectRef idx="0">
+              <a:schemeClr val="dk1"/>
+            </a:effectRef>
+            <a:fontRef idx="minor">
+              <a:schemeClr val="tx1"/>
+            </a:fontRef>
+          </p:style>
+        </p:cxnSp>
+        <p:sp>
+          <p:nvSpPr>
+            <p:cNvPr id="29" name="TextBox 28">
+              <a:extLst>
+                <a:ext uri="{FF2B5EF4-FFF2-40B4-BE49-F238E27FC236}">
+                  <a16:creationId xmlns:a16="http://schemas.microsoft.com/office/drawing/2014/main" id="{7D21AD4E-9F8D-75D9-206F-CB3864147412}"/>
+                </a:ext>
+              </a:extLst>
+            </p:cNvPr>
+            <p:cNvSpPr txBox="1"/>
+            <p:nvPr/>
+          </p:nvSpPr>
+          <p:spPr>
+            <a:xfrm>
+              <a:off x="548248" y="4523343"/>
+              <a:ext cx="1534395" cy="369332"/>
+            </a:xfrm>
+            <a:prstGeom prst="rect">
+              <a:avLst/>
+            </a:prstGeom>
+            <a:noFill/>
+          </p:spPr>
+          <p:txBody>
+            <a:bodyPr wrap="none" rtlCol="0">
+              <a:spAutoFit/>
+            </a:bodyPr>
+            <a:lstStyle/>
+            <a:p>
+              <a:pPr algn="ctr"/>
+              <a:r>
+                <a:rPr lang="ko-KR" altLang="en-US" dirty="0">
+                  <a:latin typeface="나눔고딕 Light" panose="020D0904000000000000" pitchFamily="50" charset="-127"/>
+                  <a:ea typeface="나눔고딕 Light" panose="020D0904000000000000" pitchFamily="50" charset="-127"/>
+                </a:rPr>
+                <a:t>명령어 그룹 </a:t>
+              </a:r>
+              <a:r>
+                <a:rPr lang="en-US" altLang="ko-KR" dirty="0">
+                  <a:latin typeface="나눔고딕 Light" panose="020D0904000000000000" pitchFamily="50" charset="-127"/>
+                  <a:ea typeface="나눔고딕 Light" panose="020D0904000000000000" pitchFamily="50" charset="-127"/>
+                </a:rPr>
+                <a:t>3</a:t>
+              </a:r>
+            </a:p>
+          </p:txBody>
+        </p:sp>
+        <p:cxnSp>
+          <p:nvCxnSpPr>
+            <p:cNvPr id="31" name="Straight Arrow Connector 30">
+              <a:extLst>
+                <a:ext uri="{FF2B5EF4-FFF2-40B4-BE49-F238E27FC236}">
+                  <a16:creationId xmlns:a16="http://schemas.microsoft.com/office/drawing/2014/main" id="{39C92E04-71FB-EA67-5072-7219B765A5FD}"/>
+                </a:ext>
+              </a:extLst>
+            </p:cNvPr>
+            <p:cNvCxnSpPr>
+              <a:cxnSpLocks/>
+            </p:cNvCxnSpPr>
+            <p:nvPr/>
+          </p:nvCxnSpPr>
+          <p:spPr>
+            <a:xfrm>
+              <a:off x="3562074" y="1626310"/>
+              <a:ext cx="0" cy="428714"/>
+            </a:xfrm>
+            <a:prstGeom prst="straightConnector1">
+              <a:avLst/>
+            </a:prstGeom>
+            <a:ln>
+              <a:tailEnd type="triangle"/>
+            </a:ln>
+          </p:spPr>
+          <p:style>
+            <a:lnRef idx="1">
+              <a:schemeClr val="dk1"/>
+            </a:lnRef>
+            <a:fillRef idx="0">
+              <a:schemeClr val="dk1"/>
+            </a:fillRef>
+            <a:effectRef idx="0">
+              <a:schemeClr val="dk1"/>
+            </a:effectRef>
+            <a:fontRef idx="minor">
+              <a:schemeClr val="tx1"/>
+            </a:fontRef>
+          </p:style>
+        </p:cxnSp>
+        <p:cxnSp>
+          <p:nvCxnSpPr>
+            <p:cNvPr id="34" name="Straight Arrow Connector 33">
+              <a:extLst>
+                <a:ext uri="{FF2B5EF4-FFF2-40B4-BE49-F238E27FC236}">
+                  <a16:creationId xmlns:a16="http://schemas.microsoft.com/office/drawing/2014/main" id="{18959E68-BECE-40C1-20E6-C39600F7A700}"/>
+                </a:ext>
+              </a:extLst>
+            </p:cNvPr>
+            <p:cNvCxnSpPr>
+              <a:cxnSpLocks/>
+            </p:cNvCxnSpPr>
+            <p:nvPr/>
+          </p:nvCxnSpPr>
+          <p:spPr>
+            <a:xfrm>
+              <a:off x="3562074" y="5818779"/>
+              <a:ext cx="2246629" cy="0"/>
+            </a:xfrm>
+            <a:prstGeom prst="straightConnector1">
+              <a:avLst/>
+            </a:prstGeom>
+            <a:ln>
+              <a:tailEnd type="triangle"/>
+            </a:ln>
+          </p:spPr>
+          <p:style>
+            <a:lnRef idx="1">
+              <a:schemeClr val="dk1"/>
+            </a:lnRef>
+            <a:fillRef idx="0">
+              <a:schemeClr val="dk1"/>
+            </a:fillRef>
+            <a:effectRef idx="0">
+              <a:schemeClr val="dk1"/>
+            </a:effectRef>
+            <a:fontRef idx="minor">
+              <a:schemeClr val="tx1"/>
+            </a:fontRef>
+          </p:style>
+        </p:cxnSp>
+        <p:cxnSp>
+          <p:nvCxnSpPr>
+            <p:cNvPr id="35" name="Straight Arrow Connector 34">
+              <a:extLst>
+                <a:ext uri="{FF2B5EF4-FFF2-40B4-BE49-F238E27FC236}">
+                  <a16:creationId xmlns:a16="http://schemas.microsoft.com/office/drawing/2014/main" id="{66E8F177-7857-3C80-1CF6-1F563BA8EC14}"/>
+                </a:ext>
+              </a:extLst>
+            </p:cNvPr>
+            <p:cNvCxnSpPr>
+              <a:cxnSpLocks/>
+            </p:cNvCxnSpPr>
+            <p:nvPr/>
+          </p:nvCxnSpPr>
+          <p:spPr>
+            <a:xfrm>
+              <a:off x="3562074" y="5101830"/>
+              <a:ext cx="0" cy="716949"/>
+            </a:xfrm>
+            <a:prstGeom prst="straightConnector1">
+              <a:avLst/>
+            </a:prstGeom>
+            <a:ln>
+              <a:headEnd type="none" w="med" len="med"/>
+              <a:tailEnd type="none" w="med" len="med"/>
+            </a:ln>
+          </p:spPr>
+          <p:style>
+            <a:lnRef idx="1">
+              <a:schemeClr val="dk1"/>
+            </a:lnRef>
+            <a:fillRef idx="0">
+              <a:schemeClr val="dk1"/>
+            </a:fillRef>
+            <a:effectRef idx="0">
+              <a:schemeClr val="dk1"/>
+            </a:effectRef>
+            <a:fontRef idx="minor">
+              <a:schemeClr val="tx1"/>
+            </a:fontRef>
+          </p:style>
+        </p:cxnSp>
+        <p:cxnSp>
+          <p:nvCxnSpPr>
+            <p:cNvPr id="37" name="Straight Arrow Connector 36">
+              <a:extLst>
+                <a:ext uri="{FF2B5EF4-FFF2-40B4-BE49-F238E27FC236}">
+                  <a16:creationId xmlns:a16="http://schemas.microsoft.com/office/drawing/2014/main" id="{F6EAEB9F-72F5-E2F6-4A2A-7695612CBB99}"/>
+                </a:ext>
+              </a:extLst>
+            </p:cNvPr>
+            <p:cNvCxnSpPr>
+              <a:cxnSpLocks/>
+            </p:cNvCxnSpPr>
+            <p:nvPr/>
+          </p:nvCxnSpPr>
+          <p:spPr>
+            <a:xfrm>
+              <a:off x="1315445" y="5101830"/>
+              <a:ext cx="0" cy="838437"/>
+            </a:xfrm>
+            <a:prstGeom prst="straightConnector1">
+              <a:avLst/>
+            </a:prstGeom>
+            <a:ln>
+              <a:headEnd type="none" w="med" len="med"/>
+              <a:tailEnd type="none" w="med" len="med"/>
+            </a:ln>
+          </p:spPr>
+          <p:style>
+            <a:lnRef idx="1">
+              <a:schemeClr val="dk1"/>
+            </a:lnRef>
+            <a:fillRef idx="0">
+              <a:schemeClr val="dk1"/>
+            </a:fillRef>
+            <a:effectRef idx="0">
+              <a:schemeClr val="dk1"/>
+            </a:effectRef>
+            <a:fontRef idx="minor">
+              <a:schemeClr val="tx1"/>
+            </a:fontRef>
+          </p:style>
+        </p:cxnSp>
+        <p:cxnSp>
+          <p:nvCxnSpPr>
+            <p:cNvPr id="38" name="Straight Arrow Connector 37">
+              <a:extLst>
+                <a:ext uri="{FF2B5EF4-FFF2-40B4-BE49-F238E27FC236}">
+                  <a16:creationId xmlns:a16="http://schemas.microsoft.com/office/drawing/2014/main" id="{2B470752-DA91-CBE7-4EFF-296DAC99B44B}"/>
+                </a:ext>
+              </a:extLst>
+            </p:cNvPr>
+            <p:cNvCxnSpPr>
+              <a:cxnSpLocks/>
+            </p:cNvCxnSpPr>
+            <p:nvPr/>
+          </p:nvCxnSpPr>
+          <p:spPr>
+            <a:xfrm>
+              <a:off x="1315445" y="5940267"/>
+              <a:ext cx="4493258" cy="0"/>
+            </a:xfrm>
+            <a:prstGeom prst="straightConnector1">
+              <a:avLst/>
+            </a:prstGeom>
+            <a:ln>
+              <a:tailEnd type="triangle"/>
+            </a:ln>
+          </p:spPr>
+          <p:style>
+            <a:lnRef idx="1">
+              <a:schemeClr val="dk1"/>
+            </a:lnRef>
+            <a:fillRef idx="0">
+              <a:schemeClr val="dk1"/>
+            </a:fillRef>
+            <a:effectRef idx="0">
+              <a:schemeClr val="dk1"/>
+            </a:effectRef>
+            <a:fontRef idx="minor">
+              <a:schemeClr val="tx1"/>
+            </a:fontRef>
+          </p:style>
+        </p:cxnSp>
+      </p:grpSp>
+    </p:spTree>
+    <p:extLst>
+      <p:ext uri="{BB962C8B-B14F-4D97-AF65-F5344CB8AC3E}">
+        <p14:creationId xmlns:p14="http://schemas.microsoft.com/office/powerpoint/2010/main" val="4093551857"/>
+      </p:ext>
+    </p:extLst>
+  </p:cSld>
+  <p:clrMapOvr>
+    <a:masterClrMapping/>
+  </p:clrMapOvr>
+</p:sld>
+</file>
+
 <file path=ppt/theme/theme1.xml><?xml version="1.0" encoding="utf-8"?>
 <a:theme xmlns:a="http://schemas.openxmlformats.org/drawingml/2006/main" name="Office Theme">
   <a:themeElements>
